--- a/teaching/f15_cpsc217/Week_10_1.pptx
+++ b/teaching/f15_cpsc217/Week_10_1.pptx
@@ -5,27 +5,29 @@
     <p:sldMasterId id="2147483687" r:id="rId2"/>
   </p:sldMasterIdLst>
   <p:notesMasterIdLst>
-    <p:notesMasterId r:id="rId21"/>
+    <p:notesMasterId r:id="rId23"/>
   </p:notesMasterIdLst>
   <p:sldIdLst>
     <p:sldId id="256" r:id="rId3"/>
     <p:sldId id="257" r:id="rId4"/>
-    <p:sldId id="268" r:id="rId5"/>
-    <p:sldId id="280" r:id="rId6"/>
-    <p:sldId id="281" r:id="rId7"/>
-    <p:sldId id="282" r:id="rId8"/>
-    <p:sldId id="283" r:id="rId9"/>
-    <p:sldId id="284" r:id="rId10"/>
-    <p:sldId id="285" r:id="rId11"/>
-    <p:sldId id="287" r:id="rId12"/>
-    <p:sldId id="288" r:id="rId13"/>
-    <p:sldId id="289" r:id="rId14"/>
-    <p:sldId id="290" r:id="rId15"/>
-    <p:sldId id="291" r:id="rId16"/>
-    <p:sldId id="292" r:id="rId17"/>
-    <p:sldId id="293" r:id="rId18"/>
-    <p:sldId id="294" r:id="rId19"/>
-    <p:sldId id="295" r:id="rId20"/>
+    <p:sldId id="296" r:id="rId5"/>
+    <p:sldId id="297" r:id="rId6"/>
+    <p:sldId id="268" r:id="rId7"/>
+    <p:sldId id="280" r:id="rId8"/>
+    <p:sldId id="281" r:id="rId9"/>
+    <p:sldId id="282" r:id="rId10"/>
+    <p:sldId id="283" r:id="rId11"/>
+    <p:sldId id="284" r:id="rId12"/>
+    <p:sldId id="285" r:id="rId13"/>
+    <p:sldId id="287" r:id="rId14"/>
+    <p:sldId id="288" r:id="rId15"/>
+    <p:sldId id="289" r:id="rId16"/>
+    <p:sldId id="290" r:id="rId17"/>
+    <p:sldId id="291" r:id="rId18"/>
+    <p:sldId id="292" r:id="rId19"/>
+    <p:sldId id="293" r:id="rId20"/>
+    <p:sldId id="294" r:id="rId21"/>
+    <p:sldId id="295" r:id="rId22"/>
   </p:sldIdLst>
   <p:sldSz cx="9144000" cy="6858000" type="screen4x3"/>
   <p:notesSz cx="6858000" cy="9144000"/>
@@ -176,6 +178,8 @@
           <p14:sldIdLst>
             <p14:sldId id="256"/>
             <p14:sldId id="257"/>
+            <p14:sldId id="296"/>
+            <p14:sldId id="297"/>
             <p14:sldId id="268"/>
             <p14:sldId id="280"/>
             <p14:sldId id="281"/>
@@ -4361,11 +4365,7 @@
             </a:br>
             <a:r>
               <a:rPr lang="en-US" dirty="0" smtClean="0"/>
-              <a:t>Week </a:t>
-            </a:r>
-            <a:r>
-              <a:rPr lang="en-US" dirty="0" smtClean="0"/>
-              <a:t>XII</a:t>
+              <a:t>Week XII</a:t>
             </a:r>
             <a:endParaRPr lang="en-US" dirty="0"/>
           </a:p>
@@ -4474,9 +4474,10 @@
           <a:lstStyle/>
           <a:p>
             <a:r>
-              <a:rPr lang="en-CA" dirty="0"/>
+              <a:rPr lang="en-CA" dirty="0" smtClean="0"/>
               <a:t>Dictionary</a:t>
             </a:r>
+            <a:endParaRPr lang="en-CA" dirty="0"/>
           </a:p>
         </p:txBody>
       </p:sp>
@@ -4501,57 +4502,54 @@
                   <a:srgbClr val="0070C0"/>
                 </a:solidFill>
               </a:rPr>
-              <a:t>EXERCISE #3: A previously unseen horrible is to be added into the list. The name is “</a:t>
-            </a:r>
+              <a:t>SOLUTION #1: USA will be replaced! It turns out that we can only have one value per key!</a:t>
+            </a:r>
+          </a:p>
+          <a:p>
+            <a:r>
+              <a:rPr lang="en-CA" dirty="0" smtClean="0">
+                <a:solidFill>
+                  <a:srgbClr val="0070C0"/>
+                </a:solidFill>
+              </a:rPr>
+              <a:t>SOLUTION #2: </a:t>
+            </a:r>
+          </a:p>
+          <a:p>
+            <a:pPr marL="457200" lvl="1" indent="0">
+              <a:buNone/>
+            </a:pPr>
             <a:r>
               <a:rPr lang="en-CA" dirty="0" err="1" smtClean="0">
                 <a:solidFill>
                   <a:srgbClr val="0070C0"/>
                 </a:solidFill>
-              </a:rPr>
-              <a:t>hoola</a:t>
+                <a:latin typeface="Consolas" panose="020B0609020204030204" pitchFamily="49" charset="0"/>
+              </a:rPr>
+              <a:t>country_code</a:t>
             </a:r>
             <a:r>
               <a:rPr lang="en-CA" dirty="0" smtClean="0">
                 <a:solidFill>
                   <a:srgbClr val="0070C0"/>
                 </a:solidFill>
-              </a:rPr>
-              <a:t>-hoop.” This name is not to be approved.</a:t>
-            </a:r>
-          </a:p>
-          <a:p>
-            <a:r>
-              <a:rPr lang="en-CA" dirty="0" smtClean="0">
-                <a:solidFill>
-                  <a:srgbClr val="0070C0"/>
-                </a:solidFill>
-              </a:rPr>
-              <a:t>EXERCISE #4: For some reason, the name “cam” should be removed from the list.</a:t>
-            </a:r>
-          </a:p>
-          <a:p>
-            <a:r>
-              <a:rPr lang="en-CA" dirty="0" smtClean="0">
-                <a:solidFill>
-                  <a:srgbClr val="0070C0"/>
-                </a:solidFill>
-              </a:rPr>
-              <a:t>EXERCISE #5: Print all of the names in the list. The order doesn’t matter.</a:t>
-            </a:r>
-          </a:p>
-          <a:p>
-            <a:endParaRPr lang="en-CA" dirty="0" smtClean="0"/>
-          </a:p>
-          <a:p>
-            <a:endParaRPr lang="en-CA" dirty="0"/>
+                <a:latin typeface="Consolas" panose="020B0609020204030204" pitchFamily="49" charset="0"/>
+              </a:rPr>
+              <a:t>[217] = “Bob’s Lands”</a:t>
+            </a:r>
+            <a:endParaRPr lang="en-CA" dirty="0">
+              <a:solidFill>
+                <a:srgbClr val="0070C0"/>
+              </a:solidFill>
+              <a:latin typeface="Consolas" panose="020B0609020204030204" pitchFamily="49" charset="0"/>
+            </a:endParaRPr>
           </a:p>
         </p:txBody>
       </p:sp>
     </p:spTree>
     <p:extLst>
       <p:ext uri="{BB962C8B-B14F-4D97-AF65-F5344CB8AC3E}">
-        <p14:creationId xmlns:p14="http://schemas.microsoft.com/office/powerpoint/2010/main" val="723285250"/>
+        <p14:creationId xmlns:p14="http://schemas.microsoft.com/office/powerpoint/2010/main" val="1847684877"/>
       </p:ext>
     </p:extLst>
   </p:cSld>
@@ -4620,12 +4618,8 @@
           <a:lstStyle/>
           <a:p>
             <a:r>
-              <a:rPr lang="en-CA" dirty="0" smtClean="0">
-                <a:solidFill>
-                  <a:srgbClr val="006666"/>
-                </a:solidFill>
-              </a:rPr>
-              <a:t>SOLUTION #3: </a:t>
+              <a:rPr lang="en-CA" dirty="0" smtClean="0"/>
+              <a:t>Example 2: Name Approval List</a:t>
             </a:r>
           </a:p>
           <a:p>
@@ -4633,50 +4627,197 @@
               <a:buNone/>
             </a:pPr>
             <a:r>
-              <a:rPr lang="en-CA" sz="2400" dirty="0" err="1" smtClean="0">
-                <a:solidFill>
-                  <a:srgbClr val="006666"/>
-                </a:solidFill>
+              <a:rPr lang="en-CA" sz="1800" dirty="0" smtClean="0">
+                <a:latin typeface="Consolas" panose="020B0609020204030204" pitchFamily="49" charset="0"/>
+              </a:rPr>
+              <a:t># Basically, blacklist of horrible names and a </a:t>
+            </a:r>
+          </a:p>
+          <a:p>
+            <a:pPr marL="457200" lvl="1" indent="0">
+              <a:buNone/>
+            </a:pPr>
+            <a:r>
+              <a:rPr lang="en-CA" sz="1800" dirty="0" smtClean="0">
+                <a:latin typeface="Consolas" panose="020B0609020204030204" pitchFamily="49" charset="0"/>
+              </a:rPr>
+              <a:t># whitelist of decent names. </a:t>
+            </a:r>
+          </a:p>
+          <a:p>
+            <a:pPr marL="457200" lvl="1" indent="0">
+              <a:buNone/>
+            </a:pPr>
+            <a:r>
+              <a:rPr lang="en-CA" sz="1800" dirty="0" err="1" smtClean="0">
                 <a:latin typeface="Consolas" panose="020B0609020204030204" pitchFamily="49" charset="0"/>
               </a:rPr>
               <a:t>names_approved</a:t>
             </a:r>
             <a:r>
-              <a:rPr lang="en-CA" sz="2400" dirty="0" smtClean="0">
-                <a:solidFill>
-                  <a:srgbClr val="006666"/>
-                </a:solidFill>
-                <a:latin typeface="Consolas" panose="020B0609020204030204" pitchFamily="49" charset="0"/>
-              </a:rPr>
-              <a:t>[‘</a:t>
-            </a:r>
-            <a:r>
-              <a:rPr lang="en-CA" sz="2400" dirty="0" err="1" smtClean="0">
-                <a:solidFill>
-                  <a:srgbClr val="006666"/>
-                </a:solidFill>
-                <a:latin typeface="Consolas" panose="020B0609020204030204" pitchFamily="49" charset="0"/>
-              </a:rPr>
-              <a:t>hoola</a:t>
-            </a:r>
-            <a:r>
-              <a:rPr lang="en-CA" sz="2400" dirty="0" smtClean="0">
-                <a:solidFill>
-                  <a:srgbClr val="006666"/>
-                </a:solidFill>
-                <a:latin typeface="Consolas" panose="020B0609020204030204" pitchFamily="49" charset="0"/>
-              </a:rPr>
-              <a:t>-hoop’] = False</a:t>
-            </a:r>
-          </a:p>
-          <a:p>
-            <a:r>
-              <a:rPr lang="en-CA" dirty="0" smtClean="0">
-                <a:solidFill>
-                  <a:srgbClr val="006666"/>
-                </a:solidFill>
-              </a:rPr>
-              <a:t>SOLUTION #4:</a:t>
+              <a:rPr lang="en-CA" sz="1800" dirty="0" smtClean="0">
+                <a:latin typeface="Consolas" panose="020B0609020204030204" pitchFamily="49" charset="0"/>
+              </a:rPr>
+              <a:t> = {</a:t>
+            </a:r>
+          </a:p>
+          <a:p>
+            <a:pPr marL="914400" lvl="2" indent="0">
+              <a:buNone/>
+            </a:pPr>
+            <a:r>
+              <a:rPr lang="en-CA" sz="1800" dirty="0" smtClean="0">
+                <a:latin typeface="Consolas" panose="020B0609020204030204" pitchFamily="49" charset="0"/>
+              </a:rPr>
+              <a:t>‘</a:t>
+            </a:r>
+            <a:r>
+              <a:rPr lang="en-CA" sz="1800" dirty="0" err="1" smtClean="0">
+                <a:latin typeface="Consolas" panose="020B0609020204030204" pitchFamily="49" charset="0"/>
+              </a:rPr>
+              <a:t>alex</a:t>
+            </a:r>
+            <a:r>
+              <a:rPr lang="en-CA" sz="1800" dirty="0" smtClean="0">
+                <a:latin typeface="Consolas" panose="020B0609020204030204" pitchFamily="49" charset="0"/>
+              </a:rPr>
+              <a:t>’: True,</a:t>
+            </a:r>
+          </a:p>
+          <a:p>
+            <a:pPr marL="914400" lvl="2" indent="0">
+              <a:buNone/>
+            </a:pPr>
+            <a:r>
+              <a:rPr lang="en-CA" sz="1800" dirty="0" smtClean="0">
+                <a:latin typeface="Consolas" panose="020B0609020204030204" pitchFamily="49" charset="0"/>
+              </a:rPr>
+              <a:t>‘</a:t>
+            </a:r>
+            <a:r>
+              <a:rPr lang="en-CA" sz="1800" dirty="0" err="1" smtClean="0">
+                <a:latin typeface="Consolas" panose="020B0609020204030204" pitchFamily="49" charset="0"/>
+              </a:rPr>
+              <a:t>alexosaurus</a:t>
+            </a:r>
+            <a:r>
+              <a:rPr lang="en-CA" sz="1800" dirty="0" smtClean="0">
+                <a:latin typeface="Consolas" panose="020B0609020204030204" pitchFamily="49" charset="0"/>
+              </a:rPr>
+              <a:t> rex’: False,</a:t>
+            </a:r>
+          </a:p>
+          <a:p>
+            <a:pPr marL="914400" lvl="2" indent="0">
+              <a:buNone/>
+            </a:pPr>
+            <a:r>
+              <a:rPr lang="en-CA" sz="1800" dirty="0" smtClean="0">
+                <a:latin typeface="Consolas" panose="020B0609020204030204" pitchFamily="49" charset="0"/>
+              </a:rPr>
+              <a:t>‘</a:t>
+            </a:r>
+            <a:r>
+              <a:rPr lang="en-CA" sz="1800" dirty="0" err="1" smtClean="0">
+                <a:latin typeface="Consolas" panose="020B0609020204030204" pitchFamily="49" charset="0"/>
+              </a:rPr>
+              <a:t>antman</a:t>
+            </a:r>
+            <a:r>
+              <a:rPr lang="en-CA" sz="1800" dirty="0" smtClean="0">
+                <a:latin typeface="Consolas" panose="020B0609020204030204" pitchFamily="49" charset="0"/>
+              </a:rPr>
+              <a:t>’: False,</a:t>
+            </a:r>
+          </a:p>
+          <a:p>
+            <a:pPr marL="914400" lvl="2" indent="0">
+              <a:buNone/>
+            </a:pPr>
+            <a:r>
+              <a:rPr lang="en-CA" sz="1800" dirty="0" smtClean="0">
+                <a:latin typeface="Consolas" panose="020B0609020204030204" pitchFamily="49" charset="0"/>
+              </a:rPr>
+              <a:t>‘bob’: True,</a:t>
+            </a:r>
+          </a:p>
+          <a:p>
+            <a:pPr marL="914400" lvl="2" indent="0">
+              <a:buNone/>
+            </a:pPr>
+            <a:r>
+              <a:rPr lang="en-CA" sz="1800" dirty="0" smtClean="0">
+                <a:latin typeface="Consolas" panose="020B0609020204030204" pitchFamily="49" charset="0"/>
+              </a:rPr>
+              <a:t>‘</a:t>
+            </a:r>
+            <a:r>
+              <a:rPr lang="en-CA" sz="1800" dirty="0" err="1" smtClean="0">
+                <a:latin typeface="Consolas" panose="020B0609020204030204" pitchFamily="49" charset="0"/>
+              </a:rPr>
+              <a:t>beatrice</a:t>
+            </a:r>
+            <a:r>
+              <a:rPr lang="en-CA" sz="1800" dirty="0" smtClean="0">
+                <a:latin typeface="Consolas" panose="020B0609020204030204" pitchFamily="49" charset="0"/>
+              </a:rPr>
+              <a:t>’: True,</a:t>
+            </a:r>
+          </a:p>
+          <a:p>
+            <a:pPr marL="914400" lvl="2" indent="0">
+              <a:buNone/>
+            </a:pPr>
+            <a:r>
+              <a:rPr lang="en-CA" sz="1800" dirty="0" smtClean="0">
+                <a:latin typeface="Consolas" panose="020B0609020204030204" pitchFamily="49" charset="0"/>
+              </a:rPr>
+              <a:t>‘bleach’: False,</a:t>
+            </a:r>
+          </a:p>
+          <a:p>
+            <a:pPr marL="914400" lvl="2" indent="0">
+              <a:buNone/>
+            </a:pPr>
+            <a:r>
+              <a:rPr lang="en-CA" sz="1800" dirty="0" smtClean="0">
+                <a:latin typeface="Consolas" panose="020B0609020204030204" pitchFamily="49" charset="0"/>
+              </a:rPr>
+              <a:t>‘</a:t>
+            </a:r>
+            <a:r>
+              <a:rPr lang="en-CA" sz="1800" dirty="0" err="1" smtClean="0">
+                <a:latin typeface="Consolas" panose="020B0609020204030204" pitchFamily="49" charset="0"/>
+              </a:rPr>
+              <a:t>catherine</a:t>
+            </a:r>
+            <a:r>
+              <a:rPr lang="en-CA" sz="1800" dirty="0" smtClean="0">
+                <a:latin typeface="Consolas" panose="020B0609020204030204" pitchFamily="49" charset="0"/>
+              </a:rPr>
+              <a:t>‘: True,</a:t>
+            </a:r>
+          </a:p>
+          <a:p>
+            <a:pPr marL="914400" lvl="2" indent="0">
+              <a:buNone/>
+            </a:pPr>
+            <a:r>
+              <a:rPr lang="en-CA" sz="1800" dirty="0" smtClean="0">
+                <a:latin typeface="Consolas" panose="020B0609020204030204" pitchFamily="49" charset="0"/>
+              </a:rPr>
+              <a:t>‘cam’: True,</a:t>
+            </a:r>
+          </a:p>
+          <a:p>
+            <a:pPr marL="914400" lvl="2" indent="0">
+              <a:buNone/>
+            </a:pPr>
+            <a:r>
+              <a:rPr lang="en-CA" sz="1800" dirty="0" smtClean="0">
+                <a:latin typeface="Consolas" panose="020B0609020204030204" pitchFamily="49" charset="0"/>
+              </a:rPr>
+              <a:t>‘cat litter box’: False</a:t>
             </a:r>
           </a:p>
           <a:p>
@@ -4684,106 +4825,17 @@
               <a:buNone/>
             </a:pPr>
             <a:r>
-              <a:rPr lang="en-CA" dirty="0" smtClean="0">
-                <a:solidFill>
-                  <a:srgbClr val="006666"/>
-                </a:solidFill>
-                <a:latin typeface="Consolas" panose="020B0609020204030204" pitchFamily="49" charset="0"/>
-              </a:rPr>
-              <a:t>del </a:t>
-            </a:r>
-            <a:r>
-              <a:rPr lang="en-CA" dirty="0" err="1" smtClean="0">
-                <a:solidFill>
-                  <a:srgbClr val="006666"/>
-                </a:solidFill>
-                <a:latin typeface="Consolas" panose="020B0609020204030204" pitchFamily="49" charset="0"/>
-              </a:rPr>
-              <a:t>canada_airport_code</a:t>
-            </a:r>
-            <a:r>
-              <a:rPr lang="en-CA" dirty="0" smtClean="0">
-                <a:solidFill>
-                  <a:srgbClr val="006666"/>
-                </a:solidFill>
-                <a:latin typeface="Consolas" panose="020B0609020204030204" pitchFamily="49" charset="0"/>
-              </a:rPr>
-              <a:t>[‘cam’]</a:t>
-            </a:r>
-          </a:p>
-          <a:p>
-            <a:r>
-              <a:rPr lang="en-CA" dirty="0" smtClean="0">
-                <a:solidFill>
-                  <a:srgbClr val="006666"/>
-                </a:solidFill>
-              </a:rPr>
-              <a:t>SOLUTION #5:</a:t>
-            </a:r>
-          </a:p>
-          <a:p>
-            <a:pPr marL="457200" lvl="1" indent="0">
-              <a:buNone/>
-            </a:pPr>
-            <a:r>
-              <a:rPr lang="en-CA" dirty="0" smtClean="0">
-                <a:solidFill>
-                  <a:srgbClr val="006666"/>
-                </a:solidFill>
-                <a:latin typeface="Consolas" panose="020B0609020204030204" pitchFamily="49" charset="0"/>
-              </a:rPr>
-              <a:t>for k in </a:t>
-            </a:r>
-            <a:r>
-              <a:rPr lang="en-CA" sz="2000" dirty="0" err="1" smtClean="0">
-                <a:solidFill>
-                  <a:srgbClr val="006666"/>
-                </a:solidFill>
-                <a:latin typeface="Consolas" panose="020B0609020204030204" pitchFamily="49" charset="0"/>
-              </a:rPr>
-              <a:t>names_approved</a:t>
-            </a:r>
-            <a:r>
-              <a:rPr lang="en-CA" dirty="0" smtClean="0">
-                <a:solidFill>
-                  <a:srgbClr val="006666"/>
-                </a:solidFill>
-                <a:latin typeface="Consolas" panose="020B0609020204030204" pitchFamily="49" charset="0"/>
-              </a:rPr>
-              <a:t>:</a:t>
-            </a:r>
-          </a:p>
-          <a:p>
-            <a:pPr marL="914400" lvl="2" indent="0">
-              <a:buNone/>
-            </a:pPr>
-            <a:r>
-              <a:rPr lang="en-CA" dirty="0" smtClean="0">
-                <a:solidFill>
-                  <a:srgbClr val="006666"/>
-                </a:solidFill>
-                <a:latin typeface="Consolas" panose="020B0609020204030204" pitchFamily="49" charset="0"/>
-              </a:rPr>
-              <a:t>print(</a:t>
-            </a:r>
-            <a:r>
-              <a:rPr lang="en-CA" dirty="0" err="1" smtClean="0">
-                <a:solidFill>
-                  <a:srgbClr val="006666"/>
-                </a:solidFill>
-                <a:latin typeface="Consolas" panose="020B0609020204030204" pitchFamily="49" charset="0"/>
-              </a:rPr>
-              <a:t>canada_airport_code</a:t>
-            </a:r>
-            <a:r>
-              <a:rPr lang="en-CA" dirty="0" smtClean="0">
-                <a:solidFill>
-                  <a:srgbClr val="006666"/>
-                </a:solidFill>
-                <a:latin typeface="Consolas" panose="020B0609020204030204" pitchFamily="49" charset="0"/>
-              </a:rPr>
-              <a:t>[k])</a:t>
-            </a:r>
+              <a:rPr lang="en-CA" sz="1800" dirty="0">
+                <a:latin typeface="Consolas" panose="020B0609020204030204" pitchFamily="49" charset="0"/>
+              </a:rPr>
+              <a:t>}</a:t>
+            </a:r>
+            <a:endParaRPr lang="en-CA" sz="1800" dirty="0" smtClean="0">
+              <a:latin typeface="Consolas" panose="020B0609020204030204" pitchFamily="49" charset="0"/>
+            </a:endParaRPr>
+          </a:p>
+          <a:p>
+            <a:endParaRPr lang="en-CA" dirty="0" smtClean="0"/>
           </a:p>
           <a:p>
             <a:endParaRPr lang="en-CA" dirty="0"/>
@@ -4793,7 +4845,7 @@
     </p:spTree>
     <p:extLst>
       <p:ext uri="{BB962C8B-B14F-4D97-AF65-F5344CB8AC3E}">
-        <p14:creationId xmlns:p14="http://schemas.microsoft.com/office/powerpoint/2010/main" val="2275119545"/>
+        <p14:creationId xmlns:p14="http://schemas.microsoft.com/office/powerpoint/2010/main" val="48831913"/>
       </p:ext>
     </p:extLst>
   </p:cSld>
@@ -4861,83 +4913,62 @@
           <a:lstStyle/>
           <a:p>
             <a:r>
-              <a:rPr lang="en-CA" dirty="0" smtClean="0"/>
-              <a:t>An example with list inside a dictionary:</a:t>
-            </a:r>
-          </a:p>
-          <a:p>
-            <a:pPr marL="457200" lvl="1" indent="0">
-              <a:buNone/>
-            </a:pPr>
-            <a:r>
-              <a:rPr lang="en-CA" sz="1400" dirty="0" err="1" smtClean="0">
-                <a:latin typeface="Consolas" panose="020B0609020204030204" pitchFamily="49" charset="0"/>
-              </a:rPr>
-              <a:t>axes_of_characters</a:t>
-            </a:r>
-            <a:r>
-              <a:rPr lang="en-CA" sz="1400" dirty="0" smtClean="0">
-                <a:latin typeface="Consolas" panose="020B0609020204030204" pitchFamily="49" charset="0"/>
-              </a:rPr>
-              <a:t> = {</a:t>
-            </a:r>
-          </a:p>
-          <a:p>
-            <a:pPr marL="914400" lvl="2" indent="0">
-              <a:buNone/>
-            </a:pPr>
-            <a:r>
-              <a:rPr lang="en-CA" sz="1400" dirty="0" smtClean="0">
-                <a:latin typeface="Consolas" panose="020B0609020204030204" pitchFamily="49" charset="0"/>
-              </a:rPr>
-              <a:t>‘evil’: [‘Dr. Hu’, ‘Bieber’, ‘Dr. Phil’, ‘Darth Vader’],</a:t>
-            </a:r>
-          </a:p>
-          <a:p>
-            <a:pPr marL="914400" lvl="2" indent="0">
-              <a:buNone/>
-            </a:pPr>
-            <a:r>
-              <a:rPr lang="en-CA" sz="1400" dirty="0" smtClean="0">
-                <a:latin typeface="Consolas" panose="020B0609020204030204" pitchFamily="49" charset="0"/>
-              </a:rPr>
-              <a:t>‘good’: [‘Superman’, ‘Captain Canuck’, ‘Ant Man’],</a:t>
-            </a:r>
-          </a:p>
-          <a:p>
-            <a:pPr marL="914400" lvl="2" indent="0">
-              <a:buNone/>
-            </a:pPr>
-            <a:r>
-              <a:rPr lang="en-CA" sz="1400" dirty="0" smtClean="0">
-                <a:latin typeface="Consolas" panose="020B0609020204030204" pitchFamily="49" charset="0"/>
-              </a:rPr>
-              <a:t>‘tragic-evil’: [‘Sandman’, ‘Barney’, ‘Medusa’]</a:t>
-            </a:r>
-            <a:endParaRPr lang="en-CA" sz="1400" dirty="0">
-              <a:latin typeface="Consolas" panose="020B0609020204030204" pitchFamily="49" charset="0"/>
-            </a:endParaRPr>
-          </a:p>
-          <a:p>
-            <a:pPr marL="457200" lvl="1" indent="0">
-              <a:buNone/>
-            </a:pPr>
-            <a:r>
-              <a:rPr lang="en-CA" sz="1400" dirty="0" smtClean="0">
-                <a:latin typeface="Consolas" panose="020B0609020204030204" pitchFamily="49" charset="0"/>
-              </a:rPr>
-              <a:t>}</a:t>
-            </a:r>
-            <a:endParaRPr lang="en-CA" sz="1400" dirty="0">
-              <a:latin typeface="Consolas" panose="020B0609020204030204" pitchFamily="49" charset="0"/>
-            </a:endParaRPr>
+              <a:rPr lang="en-CA" dirty="0" smtClean="0">
+                <a:solidFill>
+                  <a:srgbClr val="0070C0"/>
+                </a:solidFill>
+              </a:rPr>
+              <a:t>EXERCISE #3: A previously unseen horrible is to be added into the list. The name is “</a:t>
+            </a:r>
+            <a:r>
+              <a:rPr lang="en-CA" dirty="0" err="1" smtClean="0">
+                <a:solidFill>
+                  <a:srgbClr val="0070C0"/>
+                </a:solidFill>
+              </a:rPr>
+              <a:t>hoola</a:t>
+            </a:r>
+            <a:r>
+              <a:rPr lang="en-CA" dirty="0" smtClean="0">
+                <a:solidFill>
+                  <a:srgbClr val="0070C0"/>
+                </a:solidFill>
+              </a:rPr>
+              <a:t>-hoop.” This name is not to be approved.</a:t>
+            </a:r>
+          </a:p>
+          <a:p>
+            <a:r>
+              <a:rPr lang="en-CA" dirty="0" smtClean="0">
+                <a:solidFill>
+                  <a:srgbClr val="0070C0"/>
+                </a:solidFill>
+              </a:rPr>
+              <a:t>EXERCISE #4: For some reason, the name “cam” should be removed from the list.</a:t>
+            </a:r>
+          </a:p>
+          <a:p>
+            <a:r>
+              <a:rPr lang="en-CA" dirty="0" smtClean="0">
+                <a:solidFill>
+                  <a:srgbClr val="0070C0"/>
+                </a:solidFill>
+              </a:rPr>
+              <a:t>EXERCISE #5: Print all of the names in the list. The order doesn’t matter.</a:t>
+            </a:r>
+          </a:p>
+          <a:p>
+            <a:endParaRPr lang="en-CA" dirty="0" smtClean="0"/>
+          </a:p>
+          <a:p>
+            <a:endParaRPr lang="en-CA" dirty="0"/>
           </a:p>
         </p:txBody>
       </p:sp>
     </p:spTree>
     <p:extLst>
       <p:ext uri="{BB962C8B-B14F-4D97-AF65-F5344CB8AC3E}">
-        <p14:creationId xmlns:p14="http://schemas.microsoft.com/office/powerpoint/2010/main" val="3750195203"/>
+        <p14:creationId xmlns:p14="http://schemas.microsoft.com/office/powerpoint/2010/main" val="723285250"/>
       </p:ext>
     </p:extLst>
   </p:cSld>
@@ -4983,9 +5014,10 @@
           <a:lstStyle/>
           <a:p>
             <a:r>
-              <a:rPr lang="en-CA" dirty="0"/>
+              <a:rPr lang="en-CA" dirty="0" smtClean="0"/>
               <a:t>Dictionary</a:t>
             </a:r>
+            <a:endParaRPr lang="en-CA" dirty="0"/>
           </a:p>
         </p:txBody>
       </p:sp>
@@ -5007,98 +5039,178 @@
             <a:r>
               <a:rPr lang="en-CA" dirty="0" smtClean="0">
                 <a:solidFill>
-                  <a:srgbClr val="0070C0"/>
-                </a:solidFill>
-              </a:rPr>
-              <a:t>EXERCISE #6: How to find out the number of ‘tragic-evil’ characters?</a:t>
-            </a:r>
-          </a:p>
-          <a:p>
-            <a:r>
-              <a:rPr lang="en-CA" dirty="0">
-                <a:solidFill>
-                  <a:srgbClr val="0070C0"/>
-                </a:solidFill>
-              </a:rPr>
-              <a:t>EXERCISE </a:t>
-            </a:r>
+                  <a:srgbClr val="006666"/>
+                </a:solidFill>
+              </a:rPr>
+              <a:t>SOLUTION #3: </a:t>
+            </a:r>
+          </a:p>
+          <a:p>
+            <a:pPr marL="457200" lvl="1" indent="0">
+              <a:buNone/>
+            </a:pPr>
+            <a:r>
+              <a:rPr lang="en-CA" sz="2400" dirty="0" err="1" smtClean="0">
+                <a:solidFill>
+                  <a:srgbClr val="006666"/>
+                </a:solidFill>
+                <a:latin typeface="Consolas" panose="020B0609020204030204" pitchFamily="49" charset="0"/>
+              </a:rPr>
+              <a:t>names_approved</a:t>
+            </a:r>
+            <a:r>
+              <a:rPr lang="en-CA" sz="2400" dirty="0" smtClean="0">
+                <a:solidFill>
+                  <a:srgbClr val="006666"/>
+                </a:solidFill>
+                <a:latin typeface="Consolas" panose="020B0609020204030204" pitchFamily="49" charset="0"/>
+              </a:rPr>
+              <a:t>[‘</a:t>
+            </a:r>
+            <a:r>
+              <a:rPr lang="en-CA" sz="2400" dirty="0" err="1" smtClean="0">
+                <a:solidFill>
+                  <a:srgbClr val="006666"/>
+                </a:solidFill>
+                <a:latin typeface="Consolas" panose="020B0609020204030204" pitchFamily="49" charset="0"/>
+              </a:rPr>
+              <a:t>hoola</a:t>
+            </a:r>
+            <a:r>
+              <a:rPr lang="en-CA" sz="2400" dirty="0" smtClean="0">
+                <a:solidFill>
+                  <a:srgbClr val="006666"/>
+                </a:solidFill>
+                <a:latin typeface="Consolas" panose="020B0609020204030204" pitchFamily="49" charset="0"/>
+              </a:rPr>
+              <a:t>-hoop’] = False</a:t>
+            </a:r>
+          </a:p>
+          <a:p>
             <a:r>
               <a:rPr lang="en-CA" dirty="0" smtClean="0">
                 <a:solidFill>
-                  <a:srgbClr val="0070C0"/>
-                </a:solidFill>
-              </a:rPr>
-              <a:t>#7: </a:t>
-            </a:r>
-            <a:r>
-              <a:rPr lang="en-CA" dirty="0">
-                <a:solidFill>
-                  <a:srgbClr val="0070C0"/>
-                </a:solidFill>
-              </a:rPr>
-              <a:t>Daredevil has </a:t>
-            </a:r>
+                  <a:srgbClr val="006666"/>
+                </a:solidFill>
+              </a:rPr>
+              <a:t>SOLUTION #4:</a:t>
+            </a:r>
+          </a:p>
+          <a:p>
+            <a:pPr marL="457200" lvl="1" indent="0">
+              <a:buNone/>
+            </a:pPr>
             <a:r>
               <a:rPr lang="en-CA" dirty="0" smtClean="0">
                 <a:solidFill>
-                  <a:srgbClr val="0070C0"/>
-                </a:solidFill>
-              </a:rPr>
-              <a:t>come out of retirement and wants to join the Good Guys. How to do that?</a:t>
-            </a:r>
-          </a:p>
-          <a:p>
+                  <a:srgbClr val="006666"/>
+                </a:solidFill>
+                <a:latin typeface="Consolas" panose="020B0609020204030204" pitchFamily="49" charset="0"/>
+              </a:rPr>
+              <a:t>del </a:t>
+            </a:r>
+            <a:r>
+              <a:rPr lang="en-CA" dirty="0" err="1" smtClean="0">
+                <a:solidFill>
+                  <a:srgbClr val="006666"/>
+                </a:solidFill>
+                <a:latin typeface="Consolas" panose="020B0609020204030204" pitchFamily="49" charset="0"/>
+              </a:rPr>
+              <a:t>canada_airport_code</a:t>
+            </a:r>
             <a:r>
               <a:rPr lang="en-CA" dirty="0" smtClean="0">
                 <a:solidFill>
-                  <a:srgbClr val="0070C0"/>
-                </a:solidFill>
-              </a:rPr>
-              <a:t>EXERCISE #8: Add a new axis – neutral.</a:t>
+                  <a:srgbClr val="006666"/>
+                </a:solidFill>
+                <a:latin typeface="Consolas" panose="020B0609020204030204" pitchFamily="49" charset="0"/>
+              </a:rPr>
+              <a:t>[‘cam’]</a:t>
             </a:r>
           </a:p>
           <a:p>
             <a:r>
               <a:rPr lang="en-CA" dirty="0" smtClean="0">
                 <a:solidFill>
-                  <a:srgbClr val="0070C0"/>
-                </a:solidFill>
-              </a:rPr>
-              <a:t>EXERCISE #9: Add ‘</a:t>
+                  <a:srgbClr val="006666"/>
+                </a:solidFill>
+              </a:rPr>
+              <a:t>SOLUTION #5:</a:t>
+            </a:r>
+          </a:p>
+          <a:p>
+            <a:pPr marL="457200" lvl="1" indent="0">
+              <a:buNone/>
+            </a:pPr>
+            <a:r>
+              <a:rPr lang="en-CA" dirty="0" smtClean="0">
+                <a:solidFill>
+                  <a:srgbClr val="006666"/>
+                </a:solidFill>
+                <a:latin typeface="Consolas" panose="020B0609020204030204" pitchFamily="49" charset="0"/>
+              </a:rPr>
+              <a:t>for k in </a:t>
+            </a:r>
+            <a:r>
+              <a:rPr lang="en-CA" sz="2000" dirty="0" err="1" smtClean="0">
+                <a:solidFill>
+                  <a:srgbClr val="006666"/>
+                </a:solidFill>
+                <a:latin typeface="Consolas" panose="020B0609020204030204" pitchFamily="49" charset="0"/>
+              </a:rPr>
+              <a:t>names_approved</a:t>
+            </a:r>
+            <a:r>
+              <a:rPr lang="en-CA" dirty="0" smtClean="0">
+                <a:solidFill>
+                  <a:srgbClr val="006666"/>
+                </a:solidFill>
+                <a:latin typeface="Consolas" panose="020B0609020204030204" pitchFamily="49" charset="0"/>
+              </a:rPr>
+              <a:t>:</a:t>
+            </a:r>
+          </a:p>
+          <a:p>
+            <a:pPr marL="914400" lvl="2" indent="0">
+              <a:buNone/>
+            </a:pPr>
+            <a:r>
+              <a:rPr lang="en-CA" dirty="0" smtClean="0">
+                <a:solidFill>
+                  <a:srgbClr val="006666"/>
+                </a:solidFill>
+                <a:latin typeface="Consolas" panose="020B0609020204030204" pitchFamily="49" charset="0"/>
+              </a:rPr>
+              <a:t>print(</a:t>
             </a:r>
             <a:r>
               <a:rPr lang="en-CA" dirty="0" err="1" smtClean="0">
                 <a:solidFill>
-                  <a:srgbClr val="0070C0"/>
-                </a:solidFill>
-              </a:rPr>
-              <a:t>Teletubbies</a:t>
+                  <a:srgbClr val="006666"/>
+                </a:solidFill>
+                <a:latin typeface="Consolas" panose="020B0609020204030204" pitchFamily="49" charset="0"/>
+              </a:rPr>
+              <a:t>canada_airport_code</a:t>
             </a:r>
             <a:r>
               <a:rPr lang="en-CA" dirty="0" smtClean="0">
                 <a:solidFill>
-                  <a:srgbClr val="0070C0"/>
-                </a:solidFill>
-              </a:rPr>
-              <a:t>’ and ‘Ronald McDonald’ into neutral axis.</a:t>
-            </a:r>
-          </a:p>
-          <a:p>
-            <a:r>
-              <a:rPr lang="en-CA" dirty="0" smtClean="0">
-                <a:solidFill>
-                  <a:srgbClr val="0070C0"/>
-                </a:solidFill>
-              </a:rPr>
-              <a:t>EXERCISE #10: Do EXERCISE #8, #9 in one line of code.</a:t>
-            </a:r>
+                  <a:srgbClr val="006666"/>
+                </a:solidFill>
+                <a:latin typeface="Consolas" panose="020B0609020204030204" pitchFamily="49" charset="0"/>
+              </a:rPr>
+              <a:t>[k])</a:t>
+            </a:r>
+          </a:p>
+          <a:p>
+            <a:endParaRPr lang="en-CA" dirty="0"/>
           </a:p>
         </p:txBody>
       </p:sp>
     </p:spTree>
     <p:extLst>
       <p:ext uri="{BB962C8B-B14F-4D97-AF65-F5344CB8AC3E}">
-        <p14:creationId xmlns:p14="http://schemas.microsoft.com/office/powerpoint/2010/main" val="380362683"/>
+        <p14:creationId xmlns:p14="http://schemas.microsoft.com/office/powerpoint/2010/main" val="2275119545"/>
       </p:ext>
     </p:extLst>
   </p:cSld>
@@ -5144,10 +5256,9 @@
           <a:lstStyle/>
           <a:p>
             <a:r>
-              <a:rPr lang="en-CA" dirty="0" smtClean="0"/>
+              <a:rPr lang="en-CA" dirty="0"/>
               <a:t>Dictionary</a:t>
             </a:r>
-            <a:endParaRPr lang="en-CA" dirty="0"/>
           </a:p>
         </p:txBody>
       </p:sp>
@@ -5167,67 +5278,75 @@
           <a:lstStyle/>
           <a:p>
             <a:r>
-              <a:rPr lang="en-CA" dirty="0">
-                <a:solidFill>
-                  <a:srgbClr val="0070C0"/>
-                </a:solidFill>
-              </a:rPr>
-              <a:t>EXERCISE </a:t>
-            </a:r>
-            <a:r>
-              <a:rPr lang="en-CA" dirty="0" smtClean="0">
-                <a:solidFill>
-                  <a:srgbClr val="0070C0"/>
-                </a:solidFill>
-              </a:rPr>
-              <a:t>#11: </a:t>
-            </a:r>
-            <a:r>
-              <a:rPr lang="en-CA" dirty="0">
-                <a:solidFill>
-                  <a:srgbClr val="0070C0"/>
-                </a:solidFill>
-              </a:rPr>
-              <a:t>Dr. Hu turned out to be working for the Good Guys all along. He was just feigning evil to </a:t>
-            </a:r>
-            <a:r>
-              <a:rPr lang="en-CA" dirty="0" smtClean="0">
-                <a:solidFill>
-                  <a:srgbClr val="0070C0"/>
-                </a:solidFill>
-              </a:rPr>
-              <a:t>infiltrate </a:t>
-            </a:r>
-            <a:r>
-              <a:rPr lang="en-CA" dirty="0">
-                <a:solidFill>
-                  <a:srgbClr val="0070C0"/>
-                </a:solidFill>
-              </a:rPr>
-              <a:t>Bieber’s entourage. How can we move him into ‘good</a:t>
-            </a:r>
-            <a:r>
-              <a:rPr lang="en-CA" dirty="0" smtClean="0">
-                <a:solidFill>
-                  <a:srgbClr val="0070C0"/>
-                </a:solidFill>
-              </a:rPr>
-              <a:t>’?</a:t>
-            </a:r>
-          </a:p>
-          <a:p>
-            <a:r>
-              <a:rPr lang="en-CA" dirty="0" smtClean="0">
-                <a:solidFill>
-                  <a:srgbClr val="0070C0"/>
-                </a:solidFill>
-              </a:rPr>
-              <a:t>EXERCISE #12: Write a fanfic idea generator. When the program is run, it prints “&lt;Good guy&gt; fights &lt;Bad guy&gt; while &lt;Neutral guy&gt; goes to Hawaii.”</a:t>
-            </a:r>
-            <a:endParaRPr lang="en-CA" dirty="0">
-              <a:solidFill>
-                <a:srgbClr val="0070C0"/>
-              </a:solidFill>
+              <a:rPr lang="en-CA" dirty="0" smtClean="0"/>
+              <a:t>An example with list inside a dictionary:</a:t>
+            </a:r>
+          </a:p>
+          <a:p>
+            <a:pPr marL="457200" lvl="1" indent="0">
+              <a:buNone/>
+            </a:pPr>
+            <a:r>
+              <a:rPr lang="en-CA" sz="1400" dirty="0" err="1" smtClean="0">
+                <a:latin typeface="Consolas" panose="020B0609020204030204" pitchFamily="49" charset="0"/>
+              </a:rPr>
+              <a:t>axes_of_characters</a:t>
+            </a:r>
+            <a:r>
+              <a:rPr lang="en-CA" sz="1400" dirty="0" smtClean="0">
+                <a:latin typeface="Consolas" panose="020B0609020204030204" pitchFamily="49" charset="0"/>
+              </a:rPr>
+              <a:t> = {</a:t>
+            </a:r>
+          </a:p>
+          <a:p>
+            <a:pPr marL="914400" lvl="2" indent="0">
+              <a:buNone/>
+            </a:pPr>
+            <a:r>
+              <a:rPr lang="en-CA" sz="1400" dirty="0" smtClean="0">
+                <a:latin typeface="Consolas" panose="020B0609020204030204" pitchFamily="49" charset="0"/>
+              </a:rPr>
+              <a:t>‘evil’: [‘Dr. Hu’, ‘Bieber’, ‘Dr. Phil’, ‘Darth Vader’],</a:t>
+            </a:r>
+          </a:p>
+          <a:p>
+            <a:pPr marL="914400" lvl="2" indent="0">
+              <a:buNone/>
+            </a:pPr>
+            <a:r>
+              <a:rPr lang="en-CA" sz="1400" dirty="0" smtClean="0">
+                <a:latin typeface="Consolas" panose="020B0609020204030204" pitchFamily="49" charset="0"/>
+              </a:rPr>
+              <a:t>‘good’: [‘Superman’, ‘Captain Canuck’, ‘Ant Man’],</a:t>
+            </a:r>
+          </a:p>
+          <a:p>
+            <a:pPr marL="914400" lvl="2" indent="0">
+              <a:buNone/>
+            </a:pPr>
+            <a:r>
+              <a:rPr lang="en-CA" sz="1400" dirty="0" smtClean="0">
+                <a:latin typeface="Consolas" panose="020B0609020204030204" pitchFamily="49" charset="0"/>
+              </a:rPr>
+              <a:t>‘tragic-evil’: [‘Sandman’, ‘Barney’, ‘Medusa’]</a:t>
+            </a:r>
+            <a:endParaRPr lang="en-CA" sz="1400" dirty="0">
+              <a:latin typeface="Consolas" panose="020B0609020204030204" pitchFamily="49" charset="0"/>
+            </a:endParaRPr>
+          </a:p>
+          <a:p>
+            <a:pPr marL="457200" lvl="1" indent="0">
+              <a:buNone/>
+            </a:pPr>
+            <a:r>
+              <a:rPr lang="en-CA" sz="1400" dirty="0" smtClean="0">
+                <a:latin typeface="Consolas" panose="020B0609020204030204" pitchFamily="49" charset="0"/>
+              </a:rPr>
+              <a:t>}</a:t>
+            </a:r>
+            <a:endParaRPr lang="en-CA" sz="1400" dirty="0">
+              <a:latin typeface="Consolas" panose="020B0609020204030204" pitchFamily="49" charset="0"/>
             </a:endParaRPr>
           </a:p>
         </p:txBody>
@@ -5235,7 +5354,7 @@
     </p:spTree>
     <p:extLst>
       <p:ext uri="{BB962C8B-B14F-4D97-AF65-F5344CB8AC3E}">
-        <p14:creationId xmlns:p14="http://schemas.microsoft.com/office/powerpoint/2010/main" val="752992648"/>
+        <p14:creationId xmlns:p14="http://schemas.microsoft.com/office/powerpoint/2010/main" val="3750195203"/>
       </p:ext>
     </p:extLst>
   </p:cSld>
@@ -5281,10 +5400,9 @@
           <a:lstStyle/>
           <a:p>
             <a:r>
-              <a:rPr lang="en-CA" dirty="0" smtClean="0"/>
+              <a:rPr lang="en-CA" dirty="0"/>
               <a:t>Dictionary</a:t>
             </a:r>
-            <a:endParaRPr lang="en-CA" dirty="0"/>
           </a:p>
         </p:txBody>
       </p:sp>
@@ -5306,202 +5424,98 @@
             <a:r>
               <a:rPr lang="en-CA" dirty="0" smtClean="0">
                 <a:solidFill>
-                  <a:srgbClr val="006666"/>
-                </a:solidFill>
-              </a:rPr>
-              <a:t>SOLUTION #6:</a:t>
-            </a:r>
-          </a:p>
-          <a:p>
-            <a:pPr marL="457200" lvl="1" indent="0">
-              <a:buNone/>
-            </a:pPr>
+                  <a:srgbClr val="0070C0"/>
+                </a:solidFill>
+              </a:rPr>
+              <a:t>EXERCISE #6: How to find out the number of ‘tragic-evil’ characters?</a:t>
+            </a:r>
+          </a:p>
+          <a:p>
+            <a:r>
+              <a:rPr lang="en-CA" dirty="0">
+                <a:solidFill>
+                  <a:srgbClr val="0070C0"/>
+                </a:solidFill>
+              </a:rPr>
+              <a:t>EXERCISE </a:t>
+            </a:r>
+            <a:r>
+              <a:rPr lang="en-CA" dirty="0" smtClean="0">
+                <a:solidFill>
+                  <a:srgbClr val="0070C0"/>
+                </a:solidFill>
+              </a:rPr>
+              <a:t>#7: </a:t>
+            </a:r>
+            <a:r>
+              <a:rPr lang="en-CA" dirty="0">
+                <a:solidFill>
+                  <a:srgbClr val="0070C0"/>
+                </a:solidFill>
+              </a:rPr>
+              <a:t>Daredevil has </a:t>
+            </a:r>
+            <a:r>
+              <a:rPr lang="en-CA" dirty="0" smtClean="0">
+                <a:solidFill>
+                  <a:srgbClr val="0070C0"/>
+                </a:solidFill>
+              </a:rPr>
+              <a:t>come out of retirement and wants to join the Good Guys. How to do that?</a:t>
+            </a:r>
+          </a:p>
+          <a:p>
+            <a:r>
+              <a:rPr lang="en-CA" dirty="0" smtClean="0">
+                <a:solidFill>
+                  <a:srgbClr val="0070C0"/>
+                </a:solidFill>
+              </a:rPr>
+              <a:t>EXERCISE #8: Add a new axis – neutral.</a:t>
+            </a:r>
+          </a:p>
+          <a:p>
+            <a:r>
+              <a:rPr lang="en-CA" dirty="0" smtClean="0">
+                <a:solidFill>
+                  <a:srgbClr val="0070C0"/>
+                </a:solidFill>
+              </a:rPr>
+              <a:t>EXERCISE #9: Add ‘</a:t>
+            </a:r>
             <a:r>
               <a:rPr lang="en-CA" dirty="0" err="1" smtClean="0">
                 <a:solidFill>
-                  <a:srgbClr val="006666"/>
-                </a:solidFill>
-                <a:latin typeface="Consolas" panose="020B0609020204030204" pitchFamily="49" charset="0"/>
-              </a:rPr>
-              <a:t>len</a:t>
+                  <a:srgbClr val="0070C0"/>
+                </a:solidFill>
+              </a:rPr>
+              <a:t>Teletubbies</a:t>
             </a:r>
             <a:r>
               <a:rPr lang="en-CA" dirty="0" smtClean="0">
                 <a:solidFill>
-                  <a:srgbClr val="006666"/>
-                </a:solidFill>
-                <a:latin typeface="Consolas" panose="020B0609020204030204" pitchFamily="49" charset="0"/>
-              </a:rPr>
-              <a:t>(</a:t>
-            </a:r>
-            <a:r>
-              <a:rPr lang="en-CA" dirty="0" err="1" smtClean="0">
-                <a:solidFill>
-                  <a:srgbClr val="006666"/>
-                </a:solidFill>
-                <a:latin typeface="Consolas" panose="020B0609020204030204" pitchFamily="49" charset="0"/>
-              </a:rPr>
-              <a:t>axes_of_characters</a:t>
-            </a:r>
+                  <a:srgbClr val="0070C0"/>
+                </a:solidFill>
+              </a:rPr>
+              <a:t>’ and ‘Ronald McDonald’ into neutral axis.</a:t>
+            </a:r>
+          </a:p>
+          <a:p>
             <a:r>
               <a:rPr lang="en-CA" dirty="0" smtClean="0">
                 <a:solidFill>
-                  <a:srgbClr val="006666"/>
-                </a:solidFill>
-                <a:latin typeface="Consolas" panose="020B0609020204030204" pitchFamily="49" charset="0"/>
-              </a:rPr>
-              <a:t>[‘tragic-evil’])</a:t>
-            </a:r>
-          </a:p>
-          <a:p>
-            <a:r>
-              <a:rPr lang="en-CA" dirty="0" smtClean="0">
-                <a:solidFill>
-                  <a:srgbClr val="006666"/>
-                </a:solidFill>
-              </a:rPr>
-              <a:t>SOLUTION #7:</a:t>
-            </a:r>
-          </a:p>
-          <a:p>
-            <a:pPr marL="457200" lvl="1" indent="0">
-              <a:buNone/>
-            </a:pPr>
-            <a:r>
-              <a:rPr lang="en-CA" sz="1800" dirty="0" err="1" smtClean="0">
-                <a:solidFill>
-                  <a:srgbClr val="006666"/>
-                </a:solidFill>
-                <a:latin typeface="Consolas" panose="020B0609020204030204" pitchFamily="49" charset="0"/>
-              </a:rPr>
-              <a:t>axes_of_characters</a:t>
-            </a:r>
-            <a:r>
-              <a:rPr lang="en-CA" sz="1800" dirty="0" smtClean="0">
-                <a:solidFill>
-                  <a:srgbClr val="006666"/>
-                </a:solidFill>
-                <a:latin typeface="Consolas" panose="020B0609020204030204" pitchFamily="49" charset="0"/>
-              </a:rPr>
-              <a:t>[‘good’].append(‘Daredevil’)</a:t>
-            </a:r>
-          </a:p>
-          <a:p>
-            <a:r>
-              <a:rPr lang="en-CA" dirty="0" smtClean="0">
-                <a:solidFill>
-                  <a:srgbClr val="006666"/>
-                </a:solidFill>
-              </a:rPr>
-              <a:t>SOLUTION #8:</a:t>
-            </a:r>
-          </a:p>
-          <a:p>
-            <a:pPr marL="457200" lvl="1" indent="0">
-              <a:buNone/>
-            </a:pPr>
-            <a:r>
-              <a:rPr lang="en-CA" dirty="0" err="1" smtClean="0">
-                <a:solidFill>
-                  <a:srgbClr val="006666"/>
-                </a:solidFill>
-                <a:latin typeface="Consolas" panose="020B0609020204030204" pitchFamily="49" charset="0"/>
-              </a:rPr>
-              <a:t>axes_of_characters</a:t>
-            </a:r>
-            <a:r>
-              <a:rPr lang="en-CA" dirty="0" smtClean="0">
-                <a:solidFill>
-                  <a:srgbClr val="006666"/>
-                </a:solidFill>
-                <a:latin typeface="Consolas" panose="020B0609020204030204" pitchFamily="49" charset="0"/>
-              </a:rPr>
-              <a:t>[‘neutral’].append([])</a:t>
-            </a:r>
-          </a:p>
-          <a:p>
-            <a:r>
-              <a:rPr lang="en-CA" dirty="0" smtClean="0">
-                <a:solidFill>
-                  <a:srgbClr val="006666"/>
-                </a:solidFill>
-              </a:rPr>
-              <a:t>SOLUTION #9:</a:t>
-            </a:r>
-          </a:p>
-          <a:p>
-            <a:pPr marL="457200" lvl="1" indent="0">
-              <a:buNone/>
-            </a:pPr>
-            <a:r>
-              <a:rPr lang="en-CA" sz="1600" dirty="0" err="1" smtClean="0">
-                <a:solidFill>
-                  <a:srgbClr val="006666"/>
-                </a:solidFill>
-                <a:latin typeface="Consolas" panose="020B0609020204030204" pitchFamily="49" charset="0"/>
-              </a:rPr>
-              <a:t>axes_of_characters</a:t>
-            </a:r>
-            <a:r>
-              <a:rPr lang="en-CA" sz="1600" dirty="0" smtClean="0">
-                <a:solidFill>
-                  <a:srgbClr val="006666"/>
-                </a:solidFill>
-                <a:latin typeface="Consolas" panose="020B0609020204030204" pitchFamily="49" charset="0"/>
-              </a:rPr>
-              <a:t>[‘neutral’].append(‘</a:t>
-            </a:r>
-            <a:r>
-              <a:rPr lang="en-CA" sz="1600" dirty="0" err="1" smtClean="0">
-                <a:solidFill>
-                  <a:srgbClr val="006666"/>
-                </a:solidFill>
-                <a:latin typeface="Consolas" panose="020B0609020204030204" pitchFamily="49" charset="0"/>
-              </a:rPr>
-              <a:t>Teletubbies</a:t>
-            </a:r>
-            <a:r>
-              <a:rPr lang="en-CA" sz="1600" dirty="0" smtClean="0">
-                <a:solidFill>
-                  <a:srgbClr val="006666"/>
-                </a:solidFill>
-                <a:latin typeface="Consolas" panose="020B0609020204030204" pitchFamily="49" charset="0"/>
-              </a:rPr>
-              <a:t>’)</a:t>
-            </a:r>
-          </a:p>
-          <a:p>
-            <a:pPr marL="457200" lvl="1" indent="0">
-              <a:buNone/>
-            </a:pPr>
-            <a:r>
-              <a:rPr lang="en-CA" sz="1600" dirty="0" err="1" smtClean="0">
-                <a:solidFill>
-                  <a:srgbClr val="006666"/>
-                </a:solidFill>
-                <a:latin typeface="Consolas" panose="020B0609020204030204" pitchFamily="49" charset="0"/>
-              </a:rPr>
-              <a:t>axes_of_characters</a:t>
-            </a:r>
-            <a:r>
-              <a:rPr lang="en-CA" sz="1600" dirty="0" smtClean="0">
-                <a:solidFill>
-                  <a:srgbClr val="006666"/>
-                </a:solidFill>
-                <a:latin typeface="Consolas" panose="020B0609020204030204" pitchFamily="49" charset="0"/>
-              </a:rPr>
-              <a:t>[‘neutral’].append(‘Ronald McDonald’)</a:t>
-            </a:r>
-          </a:p>
-          <a:p>
-            <a:endParaRPr lang="en-CA" dirty="0"/>
+                  <a:srgbClr val="0070C0"/>
+                </a:solidFill>
+              </a:rPr>
+              <a:t>EXERCISE #10: Do EXERCISE #8, #9 in one line of code.</a:t>
+            </a:r>
           </a:p>
         </p:txBody>
       </p:sp>
     </p:spTree>
     <p:extLst>
       <p:ext uri="{BB962C8B-B14F-4D97-AF65-F5344CB8AC3E}">
-        <p14:creationId xmlns:p14="http://schemas.microsoft.com/office/powerpoint/2010/main" val="3953140082"/>
+        <p14:creationId xmlns:p14="http://schemas.microsoft.com/office/powerpoint/2010/main" val="380362683"/>
       </p:ext>
     </p:extLst>
   </p:cSld>
@@ -5570,176 +5584,75 @@
           <a:lstStyle/>
           <a:p>
             <a:r>
+              <a:rPr lang="en-CA" dirty="0">
+                <a:solidFill>
+                  <a:srgbClr val="0070C0"/>
+                </a:solidFill>
+              </a:rPr>
+              <a:t>EXERCISE </a:t>
+            </a:r>
+            <a:r>
               <a:rPr lang="en-CA" dirty="0" smtClean="0">
                 <a:solidFill>
-                  <a:srgbClr val="006666"/>
-                </a:solidFill>
-              </a:rPr>
-              <a:t>SOLUTION #10:</a:t>
-            </a:r>
-          </a:p>
-          <a:p>
-            <a:pPr marL="457200" lvl="1" indent="0">
-              <a:buNone/>
-            </a:pPr>
-            <a:r>
-              <a:rPr lang="en-CA" sz="2000" dirty="0" err="1">
-                <a:solidFill>
-                  <a:srgbClr val="006666"/>
-                </a:solidFill>
-                <a:latin typeface="Consolas" panose="020B0609020204030204" pitchFamily="49" charset="0"/>
-              </a:rPr>
-              <a:t>axes_of_characters</a:t>
-            </a:r>
-            <a:r>
-              <a:rPr lang="en-CA" sz="2000" dirty="0">
-                <a:solidFill>
-                  <a:srgbClr val="006666"/>
-                </a:solidFill>
-                <a:latin typeface="Consolas" panose="020B0609020204030204" pitchFamily="49" charset="0"/>
-              </a:rPr>
-              <a:t>[‘neutral</a:t>
-            </a:r>
-            <a:r>
-              <a:rPr lang="en-CA" sz="2000" dirty="0" smtClean="0">
-                <a:solidFill>
-                  <a:srgbClr val="006666"/>
-                </a:solidFill>
-                <a:latin typeface="Consolas" panose="020B0609020204030204" pitchFamily="49" charset="0"/>
-              </a:rPr>
-              <a:t>’].extend(</a:t>
-            </a:r>
-          </a:p>
-          <a:p>
-            <a:pPr marL="457200" lvl="1" indent="0">
-              <a:buNone/>
-            </a:pPr>
-            <a:r>
-              <a:rPr lang="en-CA" sz="2000" dirty="0">
-                <a:solidFill>
-                  <a:srgbClr val="006666"/>
-                </a:solidFill>
-                <a:latin typeface="Consolas" panose="020B0609020204030204" pitchFamily="49" charset="0"/>
-              </a:rPr>
-              <a:t>	</a:t>
-            </a:r>
-            <a:r>
-              <a:rPr lang="en-CA" sz="2000" dirty="0" smtClean="0">
-                <a:solidFill>
-                  <a:srgbClr val="006666"/>
-                </a:solidFill>
-                <a:latin typeface="Consolas" panose="020B0609020204030204" pitchFamily="49" charset="0"/>
-              </a:rPr>
-              <a:t>[‘</a:t>
-            </a:r>
-            <a:r>
-              <a:rPr lang="en-CA" sz="2000" dirty="0" err="1" smtClean="0">
-                <a:solidFill>
-                  <a:srgbClr val="006666"/>
-                </a:solidFill>
-                <a:latin typeface="Consolas" panose="020B0609020204030204" pitchFamily="49" charset="0"/>
-              </a:rPr>
-              <a:t>Teletubbies</a:t>
-            </a:r>
-            <a:r>
-              <a:rPr lang="en-CA" sz="2000" dirty="0" smtClean="0">
-                <a:solidFill>
-                  <a:srgbClr val="006666"/>
-                </a:solidFill>
-                <a:latin typeface="Consolas" panose="020B0609020204030204" pitchFamily="49" charset="0"/>
-              </a:rPr>
-              <a:t>’, ‘Ronald McDonald’])</a:t>
-            </a:r>
-          </a:p>
-          <a:p>
+                  <a:srgbClr val="0070C0"/>
+                </a:solidFill>
+              </a:rPr>
+              <a:t>#11: </a:t>
+            </a:r>
             <a:r>
               <a:rPr lang="en-CA" dirty="0">
                 <a:solidFill>
-                  <a:srgbClr val="006666"/>
-                </a:solidFill>
-              </a:rPr>
-              <a:t>SOLUTION #</a:t>
+                  <a:srgbClr val="0070C0"/>
+                </a:solidFill>
+              </a:rPr>
+              <a:t>Dr. Hu turned out to be working for the Good Guys all along. He was just feigning evil to </a:t>
             </a:r>
             <a:r>
               <a:rPr lang="en-CA" dirty="0" smtClean="0">
                 <a:solidFill>
-                  <a:srgbClr val="006666"/>
-                </a:solidFill>
-              </a:rPr>
-              <a:t>11:</a:t>
+                  <a:srgbClr val="0070C0"/>
+                </a:solidFill>
+              </a:rPr>
+              <a:t>infiltrate </a:t>
+            </a:r>
+            <a:r>
+              <a:rPr lang="en-CA" dirty="0">
+                <a:solidFill>
+                  <a:srgbClr val="0070C0"/>
+                </a:solidFill>
+              </a:rPr>
+              <a:t>Bieber’s entourage. How can we move him into ‘good</a:t>
+            </a:r>
+            <a:r>
+              <a:rPr lang="en-CA" dirty="0" smtClean="0">
+                <a:solidFill>
+                  <a:srgbClr val="0070C0"/>
+                </a:solidFill>
+              </a:rPr>
+              <a:t>’?</a:t>
+            </a:r>
+          </a:p>
+          <a:p>
+            <a:r>
+              <a:rPr lang="en-CA" dirty="0" smtClean="0">
+                <a:solidFill>
+                  <a:srgbClr val="0070C0"/>
+                </a:solidFill>
+              </a:rPr>
+              <a:t>EXERCISE #12: Write a fanfic idea generator. When the program is run, it prints “&lt;Good guy&gt; fights &lt;Bad guy&gt; while &lt;Neutral guy&gt; goes to Hawaii.”</a:t>
             </a:r>
             <a:endParaRPr lang="en-CA" dirty="0">
               <a:solidFill>
-                <a:srgbClr val="006666"/>
+                <a:srgbClr val="0070C0"/>
               </a:solidFill>
             </a:endParaRPr>
-          </a:p>
-          <a:p>
-            <a:pPr marL="457200" lvl="1" indent="0">
-              <a:buNone/>
-            </a:pPr>
-            <a:r>
-              <a:rPr lang="en-CA" sz="2000" dirty="0" err="1">
-                <a:solidFill>
-                  <a:srgbClr val="006666"/>
-                </a:solidFill>
-                <a:latin typeface="Consolas" panose="020B0609020204030204" pitchFamily="49" charset="0"/>
-              </a:rPr>
-              <a:t>axes_of_characters</a:t>
-            </a:r>
-            <a:r>
-              <a:rPr lang="en-CA" sz="2000" dirty="0" smtClean="0">
-                <a:solidFill>
-                  <a:srgbClr val="006666"/>
-                </a:solidFill>
-                <a:latin typeface="Consolas" panose="020B0609020204030204" pitchFamily="49" charset="0"/>
-              </a:rPr>
-              <a:t>[‘evil’].remove(0)</a:t>
-            </a:r>
-          </a:p>
-          <a:p>
-            <a:pPr marL="457200" lvl="1" indent="0">
-              <a:buNone/>
-            </a:pPr>
-            <a:r>
-              <a:rPr lang="en-CA" sz="2000" dirty="0" err="1" smtClean="0">
-                <a:solidFill>
-                  <a:srgbClr val="006666"/>
-                </a:solidFill>
-                <a:latin typeface="Consolas" panose="020B0609020204030204" pitchFamily="49" charset="0"/>
-              </a:rPr>
-              <a:t>axes_of_characters</a:t>
-            </a:r>
-            <a:r>
-              <a:rPr lang="en-CA" sz="2000" dirty="0" smtClean="0">
-                <a:solidFill>
-                  <a:srgbClr val="006666"/>
-                </a:solidFill>
-                <a:latin typeface="Consolas" panose="020B0609020204030204" pitchFamily="49" charset="0"/>
-              </a:rPr>
-              <a:t>[‘good’].append(‘Dr. Hu’)</a:t>
-            </a:r>
-            <a:endParaRPr lang="en-CA" sz="2000" dirty="0">
-              <a:solidFill>
-                <a:srgbClr val="006666"/>
-              </a:solidFill>
-              <a:latin typeface="Consolas" panose="020B0609020204030204" pitchFamily="49" charset="0"/>
-            </a:endParaRPr>
-          </a:p>
-          <a:p>
-            <a:pPr lvl="1"/>
-            <a:endParaRPr lang="en-CA" dirty="0"/>
-          </a:p>
-          <a:p>
-            <a:pPr lvl="1"/>
-            <a:endParaRPr lang="en-CA" dirty="0"/>
           </a:p>
         </p:txBody>
       </p:sp>
     </p:spTree>
     <p:extLst>
       <p:ext uri="{BB962C8B-B14F-4D97-AF65-F5344CB8AC3E}">
-        <p14:creationId xmlns:p14="http://schemas.microsoft.com/office/powerpoint/2010/main" val="878793305"/>
+        <p14:creationId xmlns:p14="http://schemas.microsoft.com/office/powerpoint/2010/main" val="752992648"/>
       </p:ext>
     </p:extLst>
   </p:cSld>
@@ -5813,7 +5726,7 @@
                   <a:srgbClr val="006666"/>
                 </a:solidFill>
               </a:rPr>
-              <a:t>SOLUTION #12:</a:t>
+              <a:t>SOLUTION #6:</a:t>
             </a:r>
           </a:p>
           <a:p>
@@ -5821,13 +5734,64 @@
               <a:buNone/>
             </a:pPr>
             <a:r>
+              <a:rPr lang="en-CA" dirty="0" err="1" smtClean="0">
+                <a:solidFill>
+                  <a:srgbClr val="006666"/>
+                </a:solidFill>
+                <a:latin typeface="Consolas" panose="020B0609020204030204" pitchFamily="49" charset="0"/>
+              </a:rPr>
+              <a:t>len</a:t>
+            </a:r>
+            <a:r>
+              <a:rPr lang="en-CA" dirty="0" smtClean="0">
+                <a:solidFill>
+                  <a:srgbClr val="006666"/>
+                </a:solidFill>
+                <a:latin typeface="Consolas" panose="020B0609020204030204" pitchFamily="49" charset="0"/>
+              </a:rPr>
+              <a:t>(</a:t>
+            </a:r>
+            <a:r>
+              <a:rPr lang="en-CA" dirty="0" err="1" smtClean="0">
+                <a:solidFill>
+                  <a:srgbClr val="006666"/>
+                </a:solidFill>
+                <a:latin typeface="Consolas" panose="020B0609020204030204" pitchFamily="49" charset="0"/>
+              </a:rPr>
+              <a:t>axes_of_characters</a:t>
+            </a:r>
+            <a:r>
+              <a:rPr lang="en-CA" dirty="0" smtClean="0">
+                <a:solidFill>
+                  <a:srgbClr val="006666"/>
+                </a:solidFill>
+                <a:latin typeface="Consolas" panose="020B0609020204030204" pitchFamily="49" charset="0"/>
+              </a:rPr>
+              <a:t>[‘tragic-evil’])</a:t>
+            </a:r>
+          </a:p>
+          <a:p>
+            <a:r>
+              <a:rPr lang="en-CA" dirty="0" smtClean="0">
+                <a:solidFill>
+                  <a:srgbClr val="006666"/>
+                </a:solidFill>
+              </a:rPr>
+              <a:t>SOLUTION #7:</a:t>
+            </a:r>
+          </a:p>
+          <a:p>
+            <a:pPr marL="457200" lvl="1" indent="0">
+              <a:buNone/>
+            </a:pPr>
+            <a:r>
               <a:rPr lang="en-CA" sz="1800" dirty="0" err="1" smtClean="0">
                 <a:solidFill>
                   <a:srgbClr val="006666"/>
                 </a:solidFill>
                 <a:latin typeface="Consolas" panose="020B0609020204030204" pitchFamily="49" charset="0"/>
               </a:rPr>
-              <a:t>i</a:t>
+              <a:t>axes_of_characters</a:t>
             </a:r>
             <a:r>
               <a:rPr lang="en-CA" sz="1800" dirty="0" smtClean="0">
@@ -5836,46 +5800,25 @@
                 </a:solidFill>
                 <a:latin typeface="Consolas" panose="020B0609020204030204" pitchFamily="49" charset="0"/>
               </a:rPr>
-              <a:t> = </a:t>
-            </a:r>
-            <a:r>
-              <a:rPr lang="en-CA" sz="1800" dirty="0" err="1" smtClean="0">
-                <a:solidFill>
-                  <a:srgbClr val="006666"/>
-                </a:solidFill>
-                <a:latin typeface="Consolas" panose="020B0609020204030204" pitchFamily="49" charset="0"/>
-              </a:rPr>
-              <a:t>randrange</a:t>
-            </a:r>
-            <a:r>
-              <a:rPr lang="en-CA" sz="1800" dirty="0" smtClean="0">
-                <a:solidFill>
-                  <a:srgbClr val="006666"/>
-                </a:solidFill>
-                <a:latin typeface="Consolas" panose="020B0609020204030204" pitchFamily="49" charset="0"/>
-              </a:rPr>
-              <a:t>(</a:t>
-            </a:r>
-            <a:r>
-              <a:rPr lang="en-CA" sz="1800" dirty="0" err="1" smtClean="0">
-                <a:solidFill>
-                  <a:srgbClr val="006666"/>
-                </a:solidFill>
-                <a:latin typeface="Consolas" panose="020B0609020204030204" pitchFamily="49" charset="0"/>
-              </a:rPr>
-              <a:t>len</a:t>
-            </a:r>
-            <a:r>
-              <a:rPr lang="en-CA" sz="1800" dirty="0" smtClean="0">
-                <a:solidFill>
-                  <a:srgbClr val="006666"/>
-                </a:solidFill>
-                <a:latin typeface="Consolas" panose="020B0609020204030204" pitchFamily="49" charset="0"/>
-              </a:rPr>
-              <a:t>(</a:t>
-            </a:r>
-            <a:r>
-              <a:rPr lang="en-CA" sz="1800" dirty="0" err="1" smtClean="0">
+              <a:t>[‘good’].append(‘Daredevil’)</a:t>
+            </a:r>
+          </a:p>
+          <a:p>
+            <a:r>
+              <a:rPr lang="en-CA" dirty="0" smtClean="0">
+                <a:solidFill>
+                  <a:srgbClr val="006666"/>
+                </a:solidFill>
+              </a:rPr>
+              <a:t>SOLUTION #8:</a:t>
+            </a:r>
+          </a:p>
+          <a:p>
+            <a:pPr marL="457200" lvl="1" indent="0">
+              <a:buNone/>
+            </a:pPr>
+            <a:r>
+              <a:rPr lang="en-CA" dirty="0" err="1" smtClean="0">
                 <a:solidFill>
                   <a:srgbClr val="006666"/>
                 </a:solidFill>
@@ -5884,22 +5827,23 @@
               <a:t>axes_of_characters</a:t>
             </a:r>
             <a:r>
-              <a:rPr lang="en-CA" sz="1800" dirty="0">
-                <a:solidFill>
-                  <a:srgbClr val="006666"/>
-                </a:solidFill>
-                <a:latin typeface="Consolas" panose="020B0609020204030204" pitchFamily="49" charset="0"/>
-              </a:rPr>
-              <a:t>[‘good</a:t>
-            </a:r>
-            <a:r>
-              <a:rPr lang="en-CA" sz="1800" dirty="0" smtClean="0">
-                <a:solidFill>
-                  <a:srgbClr val="006666"/>
-                </a:solidFill>
-                <a:latin typeface="Consolas" panose="020B0609020204030204" pitchFamily="49" charset="0"/>
-              </a:rPr>
-              <a:t>’]))</a:t>
+              <a:rPr lang="en-CA" dirty="0" smtClean="0">
+                <a:solidFill>
+                  <a:srgbClr val="006666"/>
+                </a:solidFill>
+                <a:latin typeface="Consolas" panose="020B0609020204030204" pitchFamily="49" charset="0"/>
+              </a:rPr>
+              <a:t>[‘neutral’].append([])</a:t>
+            </a:r>
+          </a:p>
+          <a:p>
+            <a:r>
+              <a:rPr lang="en-CA" dirty="0" smtClean="0">
+                <a:solidFill>
+                  <a:srgbClr val="006666"/>
+                </a:solidFill>
+              </a:rPr>
+              <a:t>SOLUTION #9:</a:t>
             </a:r>
           </a:p>
           <a:p>
@@ -5907,25 +5851,7 @@
               <a:buNone/>
             </a:pPr>
             <a:r>
-              <a:rPr lang="en-CA" sz="1800" dirty="0" err="1" smtClean="0">
-                <a:solidFill>
-                  <a:srgbClr val="006666"/>
-                </a:solidFill>
-                <a:latin typeface="Consolas" panose="020B0609020204030204" pitchFamily="49" charset="0"/>
-              </a:rPr>
-              <a:t>good_guy</a:t>
-            </a:r>
-            <a:r>
-              <a:rPr lang="en-CA" sz="1800" dirty="0" smtClean="0">
-                <a:solidFill>
-                  <a:srgbClr val="006666"/>
-                </a:solidFill>
-                <a:latin typeface="Consolas" panose="020B0609020204030204" pitchFamily="49" charset="0"/>
-              </a:rPr>
-              <a:t> = </a:t>
-            </a:r>
-            <a:r>
-              <a:rPr lang="en-CA" sz="1800" dirty="0" err="1" smtClean="0">
+              <a:rPr lang="en-CA" sz="1600" dirty="0" err="1" smtClean="0">
                 <a:solidFill>
                   <a:srgbClr val="006666"/>
                 </a:solidFill>
@@ -5934,31 +5860,31 @@
               <a:t>axes_of_characters</a:t>
             </a:r>
             <a:r>
-              <a:rPr lang="en-CA" sz="1800" dirty="0" smtClean="0">
-                <a:solidFill>
-                  <a:srgbClr val="006666"/>
-                </a:solidFill>
-                <a:latin typeface="Consolas" panose="020B0609020204030204" pitchFamily="49" charset="0"/>
-              </a:rPr>
-              <a:t>[‘good’][</a:t>
-            </a:r>
-            <a:r>
-              <a:rPr lang="en-CA" sz="1800" dirty="0" err="1" smtClean="0">
-                <a:solidFill>
-                  <a:srgbClr val="006666"/>
-                </a:solidFill>
-                <a:latin typeface="Consolas" panose="020B0609020204030204" pitchFamily="49" charset="0"/>
-              </a:rPr>
-              <a:t>i</a:t>
-            </a:r>
-            <a:r>
-              <a:rPr lang="en-CA" sz="1800" dirty="0" smtClean="0">
-                <a:solidFill>
-                  <a:srgbClr val="006666"/>
-                </a:solidFill>
-                <a:latin typeface="Consolas" panose="020B0609020204030204" pitchFamily="49" charset="0"/>
-              </a:rPr>
-              <a:t>]</a:t>
+              <a:rPr lang="en-CA" sz="1600" dirty="0" smtClean="0">
+                <a:solidFill>
+                  <a:srgbClr val="006666"/>
+                </a:solidFill>
+                <a:latin typeface="Consolas" panose="020B0609020204030204" pitchFamily="49" charset="0"/>
+              </a:rPr>
+              <a:t>[‘neutral’].append(‘</a:t>
+            </a:r>
+            <a:r>
+              <a:rPr lang="en-CA" sz="1600" dirty="0" err="1" smtClean="0">
+                <a:solidFill>
+                  <a:srgbClr val="006666"/>
+                </a:solidFill>
+                <a:latin typeface="Consolas" panose="020B0609020204030204" pitchFamily="49" charset="0"/>
+              </a:rPr>
+              <a:t>Teletubbies</a:t>
+            </a:r>
+            <a:r>
+              <a:rPr lang="en-CA" sz="1600" dirty="0" smtClean="0">
+                <a:solidFill>
+                  <a:srgbClr val="006666"/>
+                </a:solidFill>
+                <a:latin typeface="Consolas" panose="020B0609020204030204" pitchFamily="49" charset="0"/>
+              </a:rPr>
+              <a:t>’)</a:t>
             </a:r>
           </a:p>
           <a:p>
@@ -5966,61 +5892,7 @@
               <a:buNone/>
             </a:pPr>
             <a:r>
-              <a:rPr lang="en-CA" sz="1800" dirty="0" err="1">
-                <a:solidFill>
-                  <a:srgbClr val="006666"/>
-                </a:solidFill>
-                <a:latin typeface="Consolas" panose="020B0609020204030204" pitchFamily="49" charset="0"/>
-              </a:rPr>
-              <a:t>i</a:t>
-            </a:r>
-            <a:r>
-              <a:rPr lang="en-CA" sz="1800" dirty="0">
-                <a:solidFill>
-                  <a:srgbClr val="006666"/>
-                </a:solidFill>
-                <a:latin typeface="Consolas" panose="020B0609020204030204" pitchFamily="49" charset="0"/>
-              </a:rPr>
-              <a:t> = </a:t>
-            </a:r>
-            <a:r>
-              <a:rPr lang="en-CA" sz="1800" dirty="0" err="1">
-                <a:solidFill>
-                  <a:srgbClr val="006666"/>
-                </a:solidFill>
-                <a:latin typeface="Consolas" panose="020B0609020204030204" pitchFamily="49" charset="0"/>
-              </a:rPr>
-              <a:t>randrange</a:t>
-            </a:r>
-            <a:r>
-              <a:rPr lang="en-CA" sz="1800" dirty="0">
-                <a:solidFill>
-                  <a:srgbClr val="006666"/>
-                </a:solidFill>
-                <a:latin typeface="Consolas" panose="020B0609020204030204" pitchFamily="49" charset="0"/>
-              </a:rPr>
-              <a:t>(</a:t>
-            </a:r>
-            <a:r>
-              <a:rPr lang="en-CA" sz="1800" dirty="0" err="1">
-                <a:solidFill>
-                  <a:srgbClr val="006666"/>
-                </a:solidFill>
-                <a:latin typeface="Consolas" panose="020B0609020204030204" pitchFamily="49" charset="0"/>
-              </a:rPr>
-              <a:t>len</a:t>
-            </a:r>
-            <a:r>
-              <a:rPr lang="en-CA" sz="1800" dirty="0">
-                <a:solidFill>
-                  <a:srgbClr val="006666"/>
-                </a:solidFill>
-                <a:latin typeface="Consolas" panose="020B0609020204030204" pitchFamily="49" charset="0"/>
-              </a:rPr>
-              <a:t>(</a:t>
-            </a:r>
-            <a:r>
-              <a:rPr lang="en-CA" sz="1800" dirty="0" err="1">
+              <a:rPr lang="en-CA" sz="1600" dirty="0" err="1" smtClean="0">
                 <a:solidFill>
                   <a:srgbClr val="006666"/>
                 </a:solidFill>
@@ -6029,371 +5901,16 @@
               <a:t>axes_of_characters</a:t>
             </a:r>
             <a:r>
-              <a:rPr lang="en-CA" sz="1800" dirty="0" smtClean="0">
-                <a:solidFill>
-                  <a:srgbClr val="006666"/>
-                </a:solidFill>
-                <a:latin typeface="Consolas" panose="020B0609020204030204" pitchFamily="49" charset="0"/>
-              </a:rPr>
-              <a:t>[‘bad’]))</a:t>
-            </a:r>
-          </a:p>
-          <a:p>
-            <a:pPr marL="457200" lvl="1" indent="0">
-              <a:buNone/>
-            </a:pPr>
-            <a:r>
-              <a:rPr lang="en-CA" sz="1800" dirty="0" err="1" smtClean="0">
-                <a:solidFill>
-                  <a:srgbClr val="006666"/>
-                </a:solidFill>
-                <a:latin typeface="Consolas" panose="020B0609020204030204" pitchFamily="49" charset="0"/>
-              </a:rPr>
-              <a:t>bad_guy</a:t>
-            </a:r>
-            <a:r>
-              <a:rPr lang="en-CA" sz="1800" dirty="0" smtClean="0">
-                <a:solidFill>
-                  <a:srgbClr val="006666"/>
-                </a:solidFill>
-                <a:latin typeface="Consolas" panose="020B0609020204030204" pitchFamily="49" charset="0"/>
-              </a:rPr>
-              <a:t> </a:t>
-            </a:r>
-            <a:r>
-              <a:rPr lang="en-CA" sz="1800" dirty="0">
-                <a:solidFill>
-                  <a:srgbClr val="006666"/>
-                </a:solidFill>
-                <a:latin typeface="Consolas" panose="020B0609020204030204" pitchFamily="49" charset="0"/>
-              </a:rPr>
-              <a:t>= </a:t>
-            </a:r>
-            <a:r>
-              <a:rPr lang="en-CA" sz="1800" dirty="0" err="1">
-                <a:solidFill>
-                  <a:srgbClr val="006666"/>
-                </a:solidFill>
-                <a:latin typeface="Consolas" panose="020B0609020204030204" pitchFamily="49" charset="0"/>
-              </a:rPr>
-              <a:t>axes_of_characters</a:t>
-            </a:r>
-            <a:r>
-              <a:rPr lang="en-CA" sz="1800" dirty="0" smtClean="0">
-                <a:solidFill>
-                  <a:srgbClr val="006666"/>
-                </a:solidFill>
-                <a:latin typeface="Consolas" panose="020B0609020204030204" pitchFamily="49" charset="0"/>
-              </a:rPr>
-              <a:t>[‘bad’][</a:t>
-            </a:r>
-            <a:r>
-              <a:rPr lang="en-CA" sz="1800" dirty="0" err="1">
-                <a:solidFill>
-                  <a:srgbClr val="006666"/>
-                </a:solidFill>
-                <a:latin typeface="Consolas" panose="020B0609020204030204" pitchFamily="49" charset="0"/>
-              </a:rPr>
-              <a:t>i</a:t>
-            </a:r>
-            <a:r>
-              <a:rPr lang="en-CA" sz="1800" dirty="0" smtClean="0">
-                <a:solidFill>
-                  <a:srgbClr val="006666"/>
-                </a:solidFill>
-                <a:latin typeface="Consolas" panose="020B0609020204030204" pitchFamily="49" charset="0"/>
-              </a:rPr>
-              <a:t>]</a:t>
-            </a:r>
-          </a:p>
-          <a:p>
-            <a:pPr marL="457200" lvl="1" indent="0">
-              <a:buNone/>
-            </a:pPr>
-            <a:r>
-              <a:rPr lang="en-CA" sz="1800" dirty="0" err="1">
-                <a:solidFill>
-                  <a:srgbClr val="006666"/>
-                </a:solidFill>
-                <a:latin typeface="Consolas" panose="020B0609020204030204" pitchFamily="49" charset="0"/>
-              </a:rPr>
-              <a:t>i</a:t>
-            </a:r>
-            <a:r>
-              <a:rPr lang="en-CA" sz="1800" dirty="0">
-                <a:solidFill>
-                  <a:srgbClr val="006666"/>
-                </a:solidFill>
-                <a:latin typeface="Consolas" panose="020B0609020204030204" pitchFamily="49" charset="0"/>
-              </a:rPr>
-              <a:t> = </a:t>
-            </a:r>
-            <a:r>
-              <a:rPr lang="en-CA" sz="1800" dirty="0" err="1">
-                <a:solidFill>
-                  <a:srgbClr val="006666"/>
-                </a:solidFill>
-                <a:latin typeface="Consolas" panose="020B0609020204030204" pitchFamily="49" charset="0"/>
-              </a:rPr>
-              <a:t>randrange</a:t>
-            </a:r>
-            <a:r>
-              <a:rPr lang="en-CA" sz="1800" dirty="0">
-                <a:solidFill>
-                  <a:srgbClr val="006666"/>
-                </a:solidFill>
-                <a:latin typeface="Consolas" panose="020B0609020204030204" pitchFamily="49" charset="0"/>
-              </a:rPr>
-              <a:t>(</a:t>
-            </a:r>
-            <a:r>
-              <a:rPr lang="en-CA" sz="1800" dirty="0" err="1">
-                <a:solidFill>
-                  <a:srgbClr val="006666"/>
-                </a:solidFill>
-                <a:latin typeface="Consolas" panose="020B0609020204030204" pitchFamily="49" charset="0"/>
-              </a:rPr>
-              <a:t>len</a:t>
-            </a:r>
-            <a:r>
-              <a:rPr lang="en-CA" sz="1800" dirty="0">
-                <a:solidFill>
-                  <a:srgbClr val="006666"/>
-                </a:solidFill>
-                <a:latin typeface="Consolas" panose="020B0609020204030204" pitchFamily="49" charset="0"/>
-              </a:rPr>
-              <a:t>(</a:t>
-            </a:r>
-            <a:r>
-              <a:rPr lang="en-CA" sz="1800" dirty="0" err="1">
-                <a:solidFill>
-                  <a:srgbClr val="006666"/>
-                </a:solidFill>
-                <a:latin typeface="Consolas" panose="020B0609020204030204" pitchFamily="49" charset="0"/>
-              </a:rPr>
-              <a:t>axes_of_characters</a:t>
-            </a:r>
-            <a:r>
-              <a:rPr lang="en-CA" sz="1800" dirty="0" smtClean="0">
-                <a:solidFill>
-                  <a:srgbClr val="006666"/>
-                </a:solidFill>
-                <a:latin typeface="Consolas" panose="020B0609020204030204" pitchFamily="49" charset="0"/>
-              </a:rPr>
-              <a:t>[‘neutral’]))</a:t>
-            </a:r>
-          </a:p>
-          <a:p>
-            <a:pPr marL="457200" lvl="1" indent="0">
-              <a:buNone/>
-            </a:pPr>
-            <a:r>
-              <a:rPr lang="en-CA" sz="1800" dirty="0" err="1" smtClean="0">
-                <a:solidFill>
-                  <a:srgbClr val="006666"/>
-                </a:solidFill>
-                <a:latin typeface="Consolas" panose="020B0609020204030204" pitchFamily="49" charset="0"/>
-              </a:rPr>
-              <a:t>neutral_guy</a:t>
-            </a:r>
-            <a:r>
-              <a:rPr lang="en-CA" sz="1800" dirty="0" smtClean="0">
-                <a:solidFill>
-                  <a:srgbClr val="006666"/>
-                </a:solidFill>
-                <a:latin typeface="Consolas" panose="020B0609020204030204" pitchFamily="49" charset="0"/>
-              </a:rPr>
-              <a:t> </a:t>
-            </a:r>
-            <a:r>
-              <a:rPr lang="en-CA" sz="1800" dirty="0">
-                <a:solidFill>
-                  <a:srgbClr val="006666"/>
-                </a:solidFill>
-                <a:latin typeface="Consolas" panose="020B0609020204030204" pitchFamily="49" charset="0"/>
-              </a:rPr>
-              <a:t>= </a:t>
-            </a:r>
-            <a:r>
-              <a:rPr lang="en-CA" sz="1800" dirty="0" err="1">
-                <a:solidFill>
-                  <a:srgbClr val="006666"/>
-                </a:solidFill>
-                <a:latin typeface="Consolas" panose="020B0609020204030204" pitchFamily="49" charset="0"/>
-              </a:rPr>
-              <a:t>axes_of_characters</a:t>
-            </a:r>
-            <a:r>
-              <a:rPr lang="en-CA" sz="1800" dirty="0" smtClean="0">
-                <a:solidFill>
-                  <a:srgbClr val="006666"/>
-                </a:solidFill>
-                <a:latin typeface="Consolas" panose="020B0609020204030204" pitchFamily="49" charset="0"/>
-              </a:rPr>
-              <a:t>[‘neutral’][</a:t>
-            </a:r>
-            <a:r>
-              <a:rPr lang="en-CA" sz="1800" dirty="0" err="1">
-                <a:solidFill>
-                  <a:srgbClr val="006666"/>
-                </a:solidFill>
-                <a:latin typeface="Consolas" panose="020B0609020204030204" pitchFamily="49" charset="0"/>
-              </a:rPr>
-              <a:t>i</a:t>
-            </a:r>
-            <a:r>
-              <a:rPr lang="en-CA" sz="1800" dirty="0" smtClean="0">
-                <a:solidFill>
-                  <a:srgbClr val="006666"/>
-                </a:solidFill>
-                <a:latin typeface="Consolas" panose="020B0609020204030204" pitchFamily="49" charset="0"/>
-              </a:rPr>
-              <a:t>]</a:t>
-            </a:r>
-          </a:p>
-          <a:p>
-            <a:pPr lvl="1"/>
-            <a:endParaRPr lang="en-CA" sz="1800" dirty="0">
-              <a:solidFill>
-                <a:srgbClr val="006666"/>
-              </a:solidFill>
-              <a:latin typeface="Consolas" panose="020B0609020204030204" pitchFamily="49" charset="0"/>
-            </a:endParaRPr>
-          </a:p>
-          <a:p>
-            <a:pPr marL="457200" lvl="1" indent="0">
-              <a:buNone/>
-            </a:pPr>
-            <a:r>
-              <a:rPr lang="en-CA" sz="1800" dirty="0" smtClean="0">
-                <a:solidFill>
-                  <a:srgbClr val="006666"/>
-                </a:solidFill>
-                <a:latin typeface="Consolas" panose="020B0609020204030204" pitchFamily="49" charset="0"/>
-              </a:rPr>
-              <a:t>print(“{} fights {} </a:t>
-            </a:r>
-            <a:r>
-              <a:rPr lang="en-CA" sz="1800" dirty="0">
-                <a:solidFill>
-                  <a:srgbClr val="006666"/>
-                </a:solidFill>
-                <a:latin typeface="Consolas" panose="020B0609020204030204" pitchFamily="49" charset="0"/>
-              </a:rPr>
-              <a:t>while </a:t>
-            </a:r>
-            <a:r>
-              <a:rPr lang="en-CA" sz="1800" dirty="0" smtClean="0">
-                <a:solidFill>
-                  <a:srgbClr val="006666"/>
-                </a:solidFill>
-                <a:latin typeface="Consolas" panose="020B0609020204030204" pitchFamily="49" charset="0"/>
-              </a:rPr>
-              <a:t>{} </a:t>
-            </a:r>
-            <a:r>
-              <a:rPr lang="en-CA" sz="1800" dirty="0">
-                <a:solidFill>
-                  <a:srgbClr val="006666"/>
-                </a:solidFill>
-                <a:latin typeface="Consolas" panose="020B0609020204030204" pitchFamily="49" charset="0"/>
-              </a:rPr>
-              <a:t>goes </a:t>
-            </a:r>
-            <a:r>
-              <a:rPr lang="en-CA" sz="1800" dirty="0" smtClean="0">
-                <a:solidFill>
-                  <a:srgbClr val="006666"/>
-                </a:solidFill>
-                <a:latin typeface="Consolas" panose="020B0609020204030204" pitchFamily="49" charset="0"/>
-              </a:rPr>
-              <a:t>to Hawaii.”</a:t>
-            </a:r>
-          </a:p>
-          <a:p>
-            <a:pPr marL="457200" lvl="1" indent="0">
-              <a:buNone/>
-            </a:pPr>
-            <a:r>
-              <a:rPr lang="en-CA" sz="1800" dirty="0" smtClean="0">
-                <a:solidFill>
-                  <a:srgbClr val="006666"/>
-                </a:solidFill>
-                <a:latin typeface="Consolas" panose="020B0609020204030204" pitchFamily="49" charset="0"/>
-              </a:rPr>
-              <a:t>	.format(</a:t>
-            </a:r>
-            <a:r>
-              <a:rPr lang="en-CA" sz="1800" dirty="0" err="1" smtClean="0">
-                <a:solidFill>
-                  <a:srgbClr val="006666"/>
-                </a:solidFill>
-                <a:latin typeface="Consolas" panose="020B0609020204030204" pitchFamily="49" charset="0"/>
-              </a:rPr>
-              <a:t>good_guy</a:t>
-            </a:r>
-            <a:r>
-              <a:rPr lang="en-CA" sz="1800" dirty="0" smtClean="0">
-                <a:solidFill>
-                  <a:srgbClr val="006666"/>
-                </a:solidFill>
-                <a:latin typeface="Consolas" panose="020B0609020204030204" pitchFamily="49" charset="0"/>
-              </a:rPr>
-              <a:t>, </a:t>
-            </a:r>
-            <a:r>
-              <a:rPr lang="en-CA" sz="1800" dirty="0" err="1" smtClean="0">
-                <a:solidFill>
-                  <a:srgbClr val="006666"/>
-                </a:solidFill>
-                <a:latin typeface="Consolas" panose="020B0609020204030204" pitchFamily="49" charset="0"/>
-              </a:rPr>
-              <a:t>bad_guy</a:t>
-            </a:r>
-            <a:r>
-              <a:rPr lang="en-CA" sz="1800" dirty="0" smtClean="0">
-                <a:solidFill>
-                  <a:srgbClr val="006666"/>
-                </a:solidFill>
-                <a:latin typeface="Consolas" panose="020B0609020204030204" pitchFamily="49" charset="0"/>
-              </a:rPr>
-              <a:t>, </a:t>
-            </a:r>
-            <a:r>
-              <a:rPr lang="en-CA" sz="1800" dirty="0" err="1" smtClean="0">
-                <a:solidFill>
-                  <a:srgbClr val="006666"/>
-                </a:solidFill>
-                <a:latin typeface="Consolas" panose="020B0609020204030204" pitchFamily="49" charset="0"/>
-              </a:rPr>
-              <a:t>neutral_guy</a:t>
-            </a:r>
-            <a:r>
-              <a:rPr lang="en-CA" sz="1800" dirty="0" smtClean="0">
-                <a:solidFill>
-                  <a:srgbClr val="006666"/>
-                </a:solidFill>
-                <a:latin typeface="Consolas" panose="020B0609020204030204" pitchFamily="49" charset="0"/>
-              </a:rPr>
-              <a:t>) </a:t>
-            </a:r>
-            <a:endParaRPr lang="en-CA" sz="1800" dirty="0">
-              <a:solidFill>
-                <a:srgbClr val="006666"/>
-              </a:solidFill>
-              <a:latin typeface="Consolas" panose="020B0609020204030204" pitchFamily="49" charset="0"/>
-            </a:endParaRPr>
-          </a:p>
-          <a:p>
-            <a:pPr lvl="1"/>
-            <a:endParaRPr lang="en-CA" dirty="0"/>
-          </a:p>
-          <a:p>
-            <a:pPr lvl="1"/>
-            <a:endParaRPr lang="en-CA" dirty="0"/>
-          </a:p>
-          <a:p>
-            <a:pPr lvl="1"/>
+              <a:rPr lang="en-CA" sz="1600" dirty="0" smtClean="0">
+                <a:solidFill>
+                  <a:srgbClr val="006666"/>
+                </a:solidFill>
+                <a:latin typeface="Consolas" panose="020B0609020204030204" pitchFamily="49" charset="0"/>
+              </a:rPr>
+              <a:t>[‘neutral’].append(‘Ronald McDonald’)</a:t>
+            </a:r>
+          </a:p>
+          <a:p>
             <a:endParaRPr lang="en-CA" dirty="0"/>
           </a:p>
         </p:txBody>
@@ -6401,7 +5918,7 @@
     </p:spTree>
     <p:extLst>
       <p:ext uri="{BB962C8B-B14F-4D97-AF65-F5344CB8AC3E}">
-        <p14:creationId xmlns:p14="http://schemas.microsoft.com/office/powerpoint/2010/main" val="1037410848"/>
+        <p14:creationId xmlns:p14="http://schemas.microsoft.com/office/powerpoint/2010/main" val="3953140082"/>
       </p:ext>
     </p:extLst>
   </p:cSld>
@@ -6470,16 +5987,12 @@
           <a:lstStyle/>
           <a:p>
             <a:r>
-              <a:rPr lang="en-CA" dirty="0" smtClean="0"/>
-              <a:t>It doesn’t really matter what the keys and the values are as long as they are </a:t>
-            </a:r>
-            <a:r>
-              <a:rPr lang="en-CA" dirty="0" err="1" smtClean="0"/>
-              <a:t>hashable</a:t>
-            </a:r>
-            <a:r>
-              <a:rPr lang="en-CA" dirty="0" smtClean="0"/>
-              <a:t>. But just because you can doesn’t mean you should:</a:t>
+              <a:rPr lang="en-CA" dirty="0" smtClean="0">
+                <a:solidFill>
+                  <a:srgbClr val="006666"/>
+                </a:solidFill>
+              </a:rPr>
+              <a:t>SOLUTION #10:</a:t>
             </a:r>
           </a:p>
           <a:p>
@@ -6487,114 +6000,155 @@
               <a:buNone/>
             </a:pPr>
             <a:r>
-              <a:rPr lang="en-CA" dirty="0" err="1" smtClean="0">
-                <a:latin typeface="Consolas" panose="020B0609020204030204" pitchFamily="49" charset="0"/>
-              </a:rPr>
-              <a:t>dict_of_stuffs</a:t>
+              <a:rPr lang="en-CA" sz="2000" dirty="0" err="1">
+                <a:solidFill>
+                  <a:srgbClr val="006666"/>
+                </a:solidFill>
+                <a:latin typeface="Consolas" panose="020B0609020204030204" pitchFamily="49" charset="0"/>
+              </a:rPr>
+              <a:t>axes_of_characters</a:t>
+            </a:r>
+            <a:r>
+              <a:rPr lang="en-CA" sz="2000" dirty="0">
+                <a:solidFill>
+                  <a:srgbClr val="006666"/>
+                </a:solidFill>
+                <a:latin typeface="Consolas" panose="020B0609020204030204" pitchFamily="49" charset="0"/>
+              </a:rPr>
+              <a:t>[‘neutral</a:t>
+            </a:r>
+            <a:r>
+              <a:rPr lang="en-CA" sz="2000" dirty="0" smtClean="0">
+                <a:solidFill>
+                  <a:srgbClr val="006666"/>
+                </a:solidFill>
+                <a:latin typeface="Consolas" panose="020B0609020204030204" pitchFamily="49" charset="0"/>
+              </a:rPr>
+              <a:t>’].extend(</a:t>
+            </a:r>
+          </a:p>
+          <a:p>
+            <a:pPr marL="457200" lvl="1" indent="0">
+              <a:buNone/>
+            </a:pPr>
+            <a:r>
+              <a:rPr lang="en-CA" sz="2000" dirty="0">
+                <a:solidFill>
+                  <a:srgbClr val="006666"/>
+                </a:solidFill>
+                <a:latin typeface="Consolas" panose="020B0609020204030204" pitchFamily="49" charset="0"/>
+              </a:rPr>
+              <a:t>	</a:t>
+            </a:r>
+            <a:r>
+              <a:rPr lang="en-CA" sz="2000" dirty="0" smtClean="0">
+                <a:solidFill>
+                  <a:srgbClr val="006666"/>
+                </a:solidFill>
+                <a:latin typeface="Consolas" panose="020B0609020204030204" pitchFamily="49" charset="0"/>
+              </a:rPr>
+              <a:t>[‘</a:t>
+            </a:r>
+            <a:r>
+              <a:rPr lang="en-CA" sz="2000" dirty="0" err="1" smtClean="0">
+                <a:solidFill>
+                  <a:srgbClr val="006666"/>
+                </a:solidFill>
+                <a:latin typeface="Consolas" panose="020B0609020204030204" pitchFamily="49" charset="0"/>
+              </a:rPr>
+              <a:t>Teletubbies</a:t>
+            </a:r>
+            <a:r>
+              <a:rPr lang="en-CA" sz="2000" dirty="0" smtClean="0">
+                <a:solidFill>
+                  <a:srgbClr val="006666"/>
+                </a:solidFill>
+                <a:latin typeface="Consolas" panose="020B0609020204030204" pitchFamily="49" charset="0"/>
+              </a:rPr>
+              <a:t>’, ‘Ronald McDonald’])</a:t>
+            </a:r>
+          </a:p>
+          <a:p>
+            <a:r>
+              <a:rPr lang="en-CA" dirty="0">
+                <a:solidFill>
+                  <a:srgbClr val="006666"/>
+                </a:solidFill>
+              </a:rPr>
+              <a:t>SOLUTION #</a:t>
             </a:r>
             <a:r>
               <a:rPr lang="en-CA" dirty="0" smtClean="0">
-                <a:latin typeface="Consolas" panose="020B0609020204030204" pitchFamily="49" charset="0"/>
-              </a:rPr>
-              <a:t> </a:t>
-            </a:r>
-            <a:r>
-              <a:rPr lang="en-CA" dirty="0">
-                <a:latin typeface="Consolas" panose="020B0609020204030204" pitchFamily="49" charset="0"/>
-              </a:rPr>
-              <a:t>= {</a:t>
-            </a:r>
-          </a:p>
-          <a:p>
-            <a:pPr marL="914400" lvl="2" indent="0">
+                <a:solidFill>
+                  <a:srgbClr val="006666"/>
+                </a:solidFill>
+              </a:rPr>
+              <a:t>11:</a:t>
+            </a:r>
+            <a:endParaRPr lang="en-CA" dirty="0">
+              <a:solidFill>
+                <a:srgbClr val="006666"/>
+              </a:solidFill>
+            </a:endParaRPr>
+          </a:p>
+          <a:p>
+            <a:pPr marL="457200" lvl="1" indent="0">
               <a:buNone/>
             </a:pPr>
             <a:r>
-              <a:rPr lang="en-CA" dirty="0" smtClean="0">
-                <a:latin typeface="Consolas" panose="020B0609020204030204" pitchFamily="49" charset="0"/>
-              </a:rPr>
-              <a:t>-100: {‘Bill Gates’: ‘Bill Nye’, </a:t>
-            </a:r>
-          </a:p>
-          <a:p>
-            <a:pPr marL="914400" lvl="2" indent="0">
+              <a:rPr lang="en-CA" sz="2000" dirty="0" err="1">
+                <a:solidFill>
+                  <a:srgbClr val="006666"/>
+                </a:solidFill>
+                <a:latin typeface="Consolas" panose="020B0609020204030204" pitchFamily="49" charset="0"/>
+              </a:rPr>
+              <a:t>axes_of_characters</a:t>
+            </a:r>
+            <a:r>
+              <a:rPr lang="en-CA" sz="2000" dirty="0" smtClean="0">
+                <a:solidFill>
+                  <a:srgbClr val="006666"/>
+                </a:solidFill>
+                <a:latin typeface="Consolas" panose="020B0609020204030204" pitchFamily="49" charset="0"/>
+              </a:rPr>
+              <a:t>[‘evil’].remove(0)</a:t>
+            </a:r>
+          </a:p>
+          <a:p>
+            <a:pPr marL="457200" lvl="1" indent="0">
               <a:buNone/>
             </a:pPr>
             <a:r>
-              <a:rPr lang="en-CA" dirty="0">
-                <a:latin typeface="Consolas" panose="020B0609020204030204" pitchFamily="49" charset="0"/>
-              </a:rPr>
-              <a:t>	</a:t>
-            </a:r>
-            <a:r>
-              <a:rPr lang="en-CA" dirty="0" smtClean="0">
-                <a:latin typeface="Consolas" panose="020B0609020204030204" pitchFamily="49" charset="0"/>
-              </a:rPr>
-              <a:t>34: [‘HI!, ‘HI!’]},</a:t>
-            </a:r>
-            <a:endParaRPr lang="en-CA" dirty="0">
+              <a:rPr lang="en-CA" sz="2000" dirty="0" err="1" smtClean="0">
+                <a:solidFill>
+                  <a:srgbClr val="006666"/>
+                </a:solidFill>
+                <a:latin typeface="Consolas" panose="020B0609020204030204" pitchFamily="49" charset="0"/>
+              </a:rPr>
+              <a:t>axes_of_characters</a:t>
+            </a:r>
+            <a:r>
+              <a:rPr lang="en-CA" sz="2000" dirty="0" smtClean="0">
+                <a:solidFill>
+                  <a:srgbClr val="006666"/>
+                </a:solidFill>
+                <a:latin typeface="Consolas" panose="020B0609020204030204" pitchFamily="49" charset="0"/>
+              </a:rPr>
+              <a:t>[‘good’].append(‘Dr. Hu’)</a:t>
+            </a:r>
+            <a:endParaRPr lang="en-CA" sz="2000" dirty="0">
+              <a:solidFill>
+                <a:srgbClr val="006666"/>
+              </a:solidFill>
               <a:latin typeface="Consolas" panose="020B0609020204030204" pitchFamily="49" charset="0"/>
             </a:endParaRPr>
           </a:p>
           <a:p>
-            <a:pPr marL="914400" lvl="2" indent="0">
-              <a:buNone/>
-            </a:pPr>
-            <a:r>
-              <a:rPr lang="en-CA" dirty="0" smtClean="0">
-                <a:latin typeface="Consolas" panose="020B0609020204030204" pitchFamily="49" charset="0"/>
-              </a:rPr>
-              <a:t>“dinosaur!”: </a:t>
-            </a:r>
-          </a:p>
-          <a:p>
-            <a:pPr marL="914400" lvl="2" indent="0">
-              <a:buNone/>
-            </a:pPr>
-            <a:r>
-              <a:rPr lang="en-CA" dirty="0">
-                <a:latin typeface="Consolas" panose="020B0609020204030204" pitchFamily="49" charset="0"/>
-              </a:rPr>
-              <a:t>	</a:t>
-            </a:r>
-            <a:r>
-              <a:rPr lang="en-CA" dirty="0" smtClean="0">
-                <a:latin typeface="Consolas" panose="020B0609020204030204" pitchFamily="49" charset="0"/>
-              </a:rPr>
-              <a:t>[[1, 2, 3, {‘orange’: ‘juice’}], 	  “pink”]</a:t>
-            </a:r>
-            <a:endParaRPr lang="en-CA" dirty="0">
-              <a:latin typeface="Consolas" panose="020B0609020204030204" pitchFamily="49" charset="0"/>
-            </a:endParaRPr>
-          </a:p>
-          <a:p>
-            <a:pPr marL="457200" lvl="1" indent="0">
-              <a:buNone/>
-            </a:pPr>
-            <a:r>
-              <a:rPr lang="en-CA" dirty="0" smtClean="0">
-                <a:latin typeface="Consolas" panose="020B0609020204030204" pitchFamily="49" charset="0"/>
-              </a:rPr>
-              <a:t>}</a:t>
-            </a:r>
-          </a:p>
-          <a:p>
-            <a:pPr marL="400050"/>
-            <a:r>
-              <a:rPr lang="en-CA" dirty="0" smtClean="0"/>
-              <a:t>If you want to learn </a:t>
-            </a:r>
-            <a:r>
-              <a:rPr lang="en-CA" dirty="0" err="1" smtClean="0"/>
-              <a:t>Javascript</a:t>
-            </a:r>
-            <a:r>
-              <a:rPr lang="en-CA" dirty="0" smtClean="0"/>
-              <a:t> or JSON, you might to get used to something like this though.</a:t>
-            </a:r>
+            <a:pPr lvl="1"/>
             <a:endParaRPr lang="en-CA" dirty="0"/>
           </a:p>
           <a:p>
+            <a:pPr lvl="1"/>
             <a:endParaRPr lang="en-CA" dirty="0"/>
           </a:p>
         </p:txBody>
@@ -6602,7 +6156,669 @@
     </p:spTree>
     <p:extLst>
       <p:ext uri="{BB962C8B-B14F-4D97-AF65-F5344CB8AC3E}">
-        <p14:creationId xmlns:p14="http://schemas.microsoft.com/office/powerpoint/2010/main" val="678710911"/>
+        <p14:creationId xmlns:p14="http://schemas.microsoft.com/office/powerpoint/2010/main" val="878793305"/>
+      </p:ext>
+    </p:extLst>
+  </p:cSld>
+  <p:clrMapOvr>
+    <a:masterClrMapping/>
+  </p:clrMapOvr>
+  <p:transition>
+    <p:fade thruBlk="1"/>
+  </p:transition>
+</p:sld>
+</file>
+
+<file path=ppt/slides/slide19.xml><?xml version="1.0" encoding="utf-8"?>
+<p:sld xmlns:a="http://schemas.openxmlformats.org/drawingml/2006/main" xmlns:r="http://schemas.openxmlformats.org/officeDocument/2006/relationships" xmlns:p="http://schemas.openxmlformats.org/presentationml/2006/main">
+  <p:cSld>
+    <p:spTree>
+      <p:nvGrpSpPr>
+        <p:cNvPr id="1" name=""/>
+        <p:cNvGrpSpPr/>
+        <p:nvPr/>
+      </p:nvGrpSpPr>
+      <p:grpSpPr>
+        <a:xfrm>
+          <a:off x="0" y="0"/>
+          <a:ext cx="0" cy="0"/>
+          <a:chOff x="0" y="0"/>
+          <a:chExt cx="0" cy="0"/>
+        </a:xfrm>
+      </p:grpSpPr>
+      <p:sp>
+        <p:nvSpPr>
+          <p:cNvPr id="2" name="Title 1"/>
+          <p:cNvSpPr>
+            <a:spLocks noGrp="1"/>
+          </p:cNvSpPr>
+          <p:nvPr>
+            <p:ph type="title"/>
+          </p:nvPr>
+        </p:nvSpPr>
+        <p:spPr/>
+        <p:txBody>
+          <a:bodyPr/>
+          <a:lstStyle/>
+          <a:p>
+            <a:r>
+              <a:rPr lang="en-CA" dirty="0" smtClean="0"/>
+              <a:t>Dictionary</a:t>
+            </a:r>
+            <a:endParaRPr lang="en-CA" dirty="0"/>
+          </a:p>
+        </p:txBody>
+      </p:sp>
+      <p:sp>
+        <p:nvSpPr>
+          <p:cNvPr id="3" name="Content Placeholder 2"/>
+          <p:cNvSpPr>
+            <a:spLocks noGrp="1"/>
+          </p:cNvSpPr>
+          <p:nvPr>
+            <p:ph idx="1"/>
+          </p:nvPr>
+        </p:nvSpPr>
+        <p:spPr/>
+        <p:txBody>
+          <a:bodyPr/>
+          <a:lstStyle/>
+          <a:p>
+            <a:r>
+              <a:rPr lang="en-CA" dirty="0" smtClean="0">
+                <a:solidFill>
+                  <a:srgbClr val="006666"/>
+                </a:solidFill>
+              </a:rPr>
+              <a:t>SOLUTION #12:</a:t>
+            </a:r>
+          </a:p>
+          <a:p>
+            <a:pPr marL="457200" lvl="1" indent="0">
+              <a:buNone/>
+            </a:pPr>
+            <a:r>
+              <a:rPr lang="en-CA" sz="1800" dirty="0" err="1" smtClean="0">
+                <a:solidFill>
+                  <a:srgbClr val="006666"/>
+                </a:solidFill>
+                <a:latin typeface="Consolas" panose="020B0609020204030204" pitchFamily="49" charset="0"/>
+              </a:rPr>
+              <a:t>i</a:t>
+            </a:r>
+            <a:r>
+              <a:rPr lang="en-CA" sz="1800" dirty="0" smtClean="0">
+                <a:solidFill>
+                  <a:srgbClr val="006666"/>
+                </a:solidFill>
+                <a:latin typeface="Consolas" panose="020B0609020204030204" pitchFamily="49" charset="0"/>
+              </a:rPr>
+              <a:t> = </a:t>
+            </a:r>
+            <a:r>
+              <a:rPr lang="en-CA" sz="1800" dirty="0" err="1" smtClean="0">
+                <a:solidFill>
+                  <a:srgbClr val="006666"/>
+                </a:solidFill>
+                <a:latin typeface="Consolas" panose="020B0609020204030204" pitchFamily="49" charset="0"/>
+              </a:rPr>
+              <a:t>randrange</a:t>
+            </a:r>
+            <a:r>
+              <a:rPr lang="en-CA" sz="1800" dirty="0" smtClean="0">
+                <a:solidFill>
+                  <a:srgbClr val="006666"/>
+                </a:solidFill>
+                <a:latin typeface="Consolas" panose="020B0609020204030204" pitchFamily="49" charset="0"/>
+              </a:rPr>
+              <a:t>(</a:t>
+            </a:r>
+            <a:r>
+              <a:rPr lang="en-CA" sz="1800" dirty="0" err="1" smtClean="0">
+                <a:solidFill>
+                  <a:srgbClr val="006666"/>
+                </a:solidFill>
+                <a:latin typeface="Consolas" panose="020B0609020204030204" pitchFamily="49" charset="0"/>
+              </a:rPr>
+              <a:t>len</a:t>
+            </a:r>
+            <a:r>
+              <a:rPr lang="en-CA" sz="1800" dirty="0" smtClean="0">
+                <a:solidFill>
+                  <a:srgbClr val="006666"/>
+                </a:solidFill>
+                <a:latin typeface="Consolas" panose="020B0609020204030204" pitchFamily="49" charset="0"/>
+              </a:rPr>
+              <a:t>(</a:t>
+            </a:r>
+            <a:r>
+              <a:rPr lang="en-CA" sz="1800" dirty="0" err="1" smtClean="0">
+                <a:solidFill>
+                  <a:srgbClr val="006666"/>
+                </a:solidFill>
+                <a:latin typeface="Consolas" panose="020B0609020204030204" pitchFamily="49" charset="0"/>
+              </a:rPr>
+              <a:t>axes_of_characters</a:t>
+            </a:r>
+            <a:r>
+              <a:rPr lang="en-CA" sz="1800" dirty="0">
+                <a:solidFill>
+                  <a:srgbClr val="006666"/>
+                </a:solidFill>
+                <a:latin typeface="Consolas" panose="020B0609020204030204" pitchFamily="49" charset="0"/>
+              </a:rPr>
+              <a:t>[‘good</a:t>
+            </a:r>
+            <a:r>
+              <a:rPr lang="en-CA" sz="1800" dirty="0" smtClean="0">
+                <a:solidFill>
+                  <a:srgbClr val="006666"/>
+                </a:solidFill>
+                <a:latin typeface="Consolas" panose="020B0609020204030204" pitchFamily="49" charset="0"/>
+              </a:rPr>
+              <a:t>’]))</a:t>
+            </a:r>
+          </a:p>
+          <a:p>
+            <a:pPr marL="457200" lvl="1" indent="0">
+              <a:buNone/>
+            </a:pPr>
+            <a:r>
+              <a:rPr lang="en-CA" sz="1800" dirty="0" err="1" smtClean="0">
+                <a:solidFill>
+                  <a:srgbClr val="006666"/>
+                </a:solidFill>
+                <a:latin typeface="Consolas" panose="020B0609020204030204" pitchFamily="49" charset="0"/>
+              </a:rPr>
+              <a:t>good_guy</a:t>
+            </a:r>
+            <a:r>
+              <a:rPr lang="en-CA" sz="1800" dirty="0" smtClean="0">
+                <a:solidFill>
+                  <a:srgbClr val="006666"/>
+                </a:solidFill>
+                <a:latin typeface="Consolas" panose="020B0609020204030204" pitchFamily="49" charset="0"/>
+              </a:rPr>
+              <a:t> = </a:t>
+            </a:r>
+            <a:r>
+              <a:rPr lang="en-CA" sz="1800" dirty="0" err="1" smtClean="0">
+                <a:solidFill>
+                  <a:srgbClr val="006666"/>
+                </a:solidFill>
+                <a:latin typeface="Consolas" panose="020B0609020204030204" pitchFamily="49" charset="0"/>
+              </a:rPr>
+              <a:t>axes_of_characters</a:t>
+            </a:r>
+            <a:r>
+              <a:rPr lang="en-CA" sz="1800" dirty="0" smtClean="0">
+                <a:solidFill>
+                  <a:srgbClr val="006666"/>
+                </a:solidFill>
+                <a:latin typeface="Consolas" panose="020B0609020204030204" pitchFamily="49" charset="0"/>
+              </a:rPr>
+              <a:t>[‘good’][</a:t>
+            </a:r>
+            <a:r>
+              <a:rPr lang="en-CA" sz="1800" dirty="0" err="1" smtClean="0">
+                <a:solidFill>
+                  <a:srgbClr val="006666"/>
+                </a:solidFill>
+                <a:latin typeface="Consolas" panose="020B0609020204030204" pitchFamily="49" charset="0"/>
+              </a:rPr>
+              <a:t>i</a:t>
+            </a:r>
+            <a:r>
+              <a:rPr lang="en-CA" sz="1800" dirty="0" smtClean="0">
+                <a:solidFill>
+                  <a:srgbClr val="006666"/>
+                </a:solidFill>
+                <a:latin typeface="Consolas" panose="020B0609020204030204" pitchFamily="49" charset="0"/>
+              </a:rPr>
+              <a:t>]</a:t>
+            </a:r>
+          </a:p>
+          <a:p>
+            <a:pPr marL="457200" lvl="1" indent="0">
+              <a:buNone/>
+            </a:pPr>
+            <a:r>
+              <a:rPr lang="en-CA" sz="1800" dirty="0" err="1">
+                <a:solidFill>
+                  <a:srgbClr val="006666"/>
+                </a:solidFill>
+                <a:latin typeface="Consolas" panose="020B0609020204030204" pitchFamily="49" charset="0"/>
+              </a:rPr>
+              <a:t>i</a:t>
+            </a:r>
+            <a:r>
+              <a:rPr lang="en-CA" sz="1800" dirty="0">
+                <a:solidFill>
+                  <a:srgbClr val="006666"/>
+                </a:solidFill>
+                <a:latin typeface="Consolas" panose="020B0609020204030204" pitchFamily="49" charset="0"/>
+              </a:rPr>
+              <a:t> = </a:t>
+            </a:r>
+            <a:r>
+              <a:rPr lang="en-CA" sz="1800" dirty="0" err="1">
+                <a:solidFill>
+                  <a:srgbClr val="006666"/>
+                </a:solidFill>
+                <a:latin typeface="Consolas" panose="020B0609020204030204" pitchFamily="49" charset="0"/>
+              </a:rPr>
+              <a:t>randrange</a:t>
+            </a:r>
+            <a:r>
+              <a:rPr lang="en-CA" sz="1800" dirty="0">
+                <a:solidFill>
+                  <a:srgbClr val="006666"/>
+                </a:solidFill>
+                <a:latin typeface="Consolas" panose="020B0609020204030204" pitchFamily="49" charset="0"/>
+              </a:rPr>
+              <a:t>(</a:t>
+            </a:r>
+            <a:r>
+              <a:rPr lang="en-CA" sz="1800" dirty="0" err="1">
+                <a:solidFill>
+                  <a:srgbClr val="006666"/>
+                </a:solidFill>
+                <a:latin typeface="Consolas" panose="020B0609020204030204" pitchFamily="49" charset="0"/>
+              </a:rPr>
+              <a:t>len</a:t>
+            </a:r>
+            <a:r>
+              <a:rPr lang="en-CA" sz="1800" dirty="0">
+                <a:solidFill>
+                  <a:srgbClr val="006666"/>
+                </a:solidFill>
+                <a:latin typeface="Consolas" panose="020B0609020204030204" pitchFamily="49" charset="0"/>
+              </a:rPr>
+              <a:t>(</a:t>
+            </a:r>
+            <a:r>
+              <a:rPr lang="en-CA" sz="1800" dirty="0" err="1">
+                <a:solidFill>
+                  <a:srgbClr val="006666"/>
+                </a:solidFill>
+                <a:latin typeface="Consolas" panose="020B0609020204030204" pitchFamily="49" charset="0"/>
+              </a:rPr>
+              <a:t>axes_of_characters</a:t>
+            </a:r>
+            <a:r>
+              <a:rPr lang="en-CA" sz="1800" dirty="0" smtClean="0">
+                <a:solidFill>
+                  <a:srgbClr val="006666"/>
+                </a:solidFill>
+                <a:latin typeface="Consolas" panose="020B0609020204030204" pitchFamily="49" charset="0"/>
+              </a:rPr>
+              <a:t>[‘bad’]))</a:t>
+            </a:r>
+          </a:p>
+          <a:p>
+            <a:pPr marL="457200" lvl="1" indent="0">
+              <a:buNone/>
+            </a:pPr>
+            <a:r>
+              <a:rPr lang="en-CA" sz="1800" dirty="0" err="1" smtClean="0">
+                <a:solidFill>
+                  <a:srgbClr val="006666"/>
+                </a:solidFill>
+                <a:latin typeface="Consolas" panose="020B0609020204030204" pitchFamily="49" charset="0"/>
+              </a:rPr>
+              <a:t>bad_guy</a:t>
+            </a:r>
+            <a:r>
+              <a:rPr lang="en-CA" sz="1800" dirty="0" smtClean="0">
+                <a:solidFill>
+                  <a:srgbClr val="006666"/>
+                </a:solidFill>
+                <a:latin typeface="Consolas" panose="020B0609020204030204" pitchFamily="49" charset="0"/>
+              </a:rPr>
+              <a:t> </a:t>
+            </a:r>
+            <a:r>
+              <a:rPr lang="en-CA" sz="1800" dirty="0">
+                <a:solidFill>
+                  <a:srgbClr val="006666"/>
+                </a:solidFill>
+                <a:latin typeface="Consolas" panose="020B0609020204030204" pitchFamily="49" charset="0"/>
+              </a:rPr>
+              <a:t>= </a:t>
+            </a:r>
+            <a:r>
+              <a:rPr lang="en-CA" sz="1800" dirty="0" err="1">
+                <a:solidFill>
+                  <a:srgbClr val="006666"/>
+                </a:solidFill>
+                <a:latin typeface="Consolas" panose="020B0609020204030204" pitchFamily="49" charset="0"/>
+              </a:rPr>
+              <a:t>axes_of_characters</a:t>
+            </a:r>
+            <a:r>
+              <a:rPr lang="en-CA" sz="1800" dirty="0" smtClean="0">
+                <a:solidFill>
+                  <a:srgbClr val="006666"/>
+                </a:solidFill>
+                <a:latin typeface="Consolas" panose="020B0609020204030204" pitchFamily="49" charset="0"/>
+              </a:rPr>
+              <a:t>[‘bad’][</a:t>
+            </a:r>
+            <a:r>
+              <a:rPr lang="en-CA" sz="1800" dirty="0" err="1">
+                <a:solidFill>
+                  <a:srgbClr val="006666"/>
+                </a:solidFill>
+                <a:latin typeface="Consolas" panose="020B0609020204030204" pitchFamily="49" charset="0"/>
+              </a:rPr>
+              <a:t>i</a:t>
+            </a:r>
+            <a:r>
+              <a:rPr lang="en-CA" sz="1800" dirty="0" smtClean="0">
+                <a:solidFill>
+                  <a:srgbClr val="006666"/>
+                </a:solidFill>
+                <a:latin typeface="Consolas" panose="020B0609020204030204" pitchFamily="49" charset="0"/>
+              </a:rPr>
+              <a:t>]</a:t>
+            </a:r>
+          </a:p>
+          <a:p>
+            <a:pPr marL="457200" lvl="1" indent="0">
+              <a:buNone/>
+            </a:pPr>
+            <a:r>
+              <a:rPr lang="en-CA" sz="1800" dirty="0" err="1">
+                <a:solidFill>
+                  <a:srgbClr val="006666"/>
+                </a:solidFill>
+                <a:latin typeface="Consolas" panose="020B0609020204030204" pitchFamily="49" charset="0"/>
+              </a:rPr>
+              <a:t>i</a:t>
+            </a:r>
+            <a:r>
+              <a:rPr lang="en-CA" sz="1800" dirty="0">
+                <a:solidFill>
+                  <a:srgbClr val="006666"/>
+                </a:solidFill>
+                <a:latin typeface="Consolas" panose="020B0609020204030204" pitchFamily="49" charset="0"/>
+              </a:rPr>
+              <a:t> = </a:t>
+            </a:r>
+            <a:r>
+              <a:rPr lang="en-CA" sz="1800" dirty="0" err="1">
+                <a:solidFill>
+                  <a:srgbClr val="006666"/>
+                </a:solidFill>
+                <a:latin typeface="Consolas" panose="020B0609020204030204" pitchFamily="49" charset="0"/>
+              </a:rPr>
+              <a:t>randrange</a:t>
+            </a:r>
+            <a:r>
+              <a:rPr lang="en-CA" sz="1800" dirty="0">
+                <a:solidFill>
+                  <a:srgbClr val="006666"/>
+                </a:solidFill>
+                <a:latin typeface="Consolas" panose="020B0609020204030204" pitchFamily="49" charset="0"/>
+              </a:rPr>
+              <a:t>(</a:t>
+            </a:r>
+            <a:r>
+              <a:rPr lang="en-CA" sz="1800" dirty="0" err="1">
+                <a:solidFill>
+                  <a:srgbClr val="006666"/>
+                </a:solidFill>
+                <a:latin typeface="Consolas" panose="020B0609020204030204" pitchFamily="49" charset="0"/>
+              </a:rPr>
+              <a:t>len</a:t>
+            </a:r>
+            <a:r>
+              <a:rPr lang="en-CA" sz="1800" dirty="0">
+                <a:solidFill>
+                  <a:srgbClr val="006666"/>
+                </a:solidFill>
+                <a:latin typeface="Consolas" panose="020B0609020204030204" pitchFamily="49" charset="0"/>
+              </a:rPr>
+              <a:t>(</a:t>
+            </a:r>
+            <a:r>
+              <a:rPr lang="en-CA" sz="1800" dirty="0" err="1">
+                <a:solidFill>
+                  <a:srgbClr val="006666"/>
+                </a:solidFill>
+                <a:latin typeface="Consolas" panose="020B0609020204030204" pitchFamily="49" charset="0"/>
+              </a:rPr>
+              <a:t>axes_of_characters</a:t>
+            </a:r>
+            <a:r>
+              <a:rPr lang="en-CA" sz="1800" dirty="0" smtClean="0">
+                <a:solidFill>
+                  <a:srgbClr val="006666"/>
+                </a:solidFill>
+                <a:latin typeface="Consolas" panose="020B0609020204030204" pitchFamily="49" charset="0"/>
+              </a:rPr>
+              <a:t>[‘neutral’]))</a:t>
+            </a:r>
+          </a:p>
+          <a:p>
+            <a:pPr marL="457200" lvl="1" indent="0">
+              <a:buNone/>
+            </a:pPr>
+            <a:r>
+              <a:rPr lang="en-CA" sz="1800" dirty="0" err="1" smtClean="0">
+                <a:solidFill>
+                  <a:srgbClr val="006666"/>
+                </a:solidFill>
+                <a:latin typeface="Consolas" panose="020B0609020204030204" pitchFamily="49" charset="0"/>
+              </a:rPr>
+              <a:t>neutral_guy</a:t>
+            </a:r>
+            <a:r>
+              <a:rPr lang="en-CA" sz="1800" dirty="0" smtClean="0">
+                <a:solidFill>
+                  <a:srgbClr val="006666"/>
+                </a:solidFill>
+                <a:latin typeface="Consolas" panose="020B0609020204030204" pitchFamily="49" charset="0"/>
+              </a:rPr>
+              <a:t> </a:t>
+            </a:r>
+            <a:r>
+              <a:rPr lang="en-CA" sz="1800" dirty="0">
+                <a:solidFill>
+                  <a:srgbClr val="006666"/>
+                </a:solidFill>
+                <a:latin typeface="Consolas" panose="020B0609020204030204" pitchFamily="49" charset="0"/>
+              </a:rPr>
+              <a:t>= </a:t>
+            </a:r>
+            <a:r>
+              <a:rPr lang="en-CA" sz="1800" dirty="0" err="1">
+                <a:solidFill>
+                  <a:srgbClr val="006666"/>
+                </a:solidFill>
+                <a:latin typeface="Consolas" panose="020B0609020204030204" pitchFamily="49" charset="0"/>
+              </a:rPr>
+              <a:t>axes_of_characters</a:t>
+            </a:r>
+            <a:r>
+              <a:rPr lang="en-CA" sz="1800" dirty="0" smtClean="0">
+                <a:solidFill>
+                  <a:srgbClr val="006666"/>
+                </a:solidFill>
+                <a:latin typeface="Consolas" panose="020B0609020204030204" pitchFamily="49" charset="0"/>
+              </a:rPr>
+              <a:t>[‘neutral’][</a:t>
+            </a:r>
+            <a:r>
+              <a:rPr lang="en-CA" sz="1800" dirty="0" err="1">
+                <a:solidFill>
+                  <a:srgbClr val="006666"/>
+                </a:solidFill>
+                <a:latin typeface="Consolas" panose="020B0609020204030204" pitchFamily="49" charset="0"/>
+              </a:rPr>
+              <a:t>i</a:t>
+            </a:r>
+            <a:r>
+              <a:rPr lang="en-CA" sz="1800" dirty="0" smtClean="0">
+                <a:solidFill>
+                  <a:srgbClr val="006666"/>
+                </a:solidFill>
+                <a:latin typeface="Consolas" panose="020B0609020204030204" pitchFamily="49" charset="0"/>
+              </a:rPr>
+              <a:t>]</a:t>
+            </a:r>
+          </a:p>
+          <a:p>
+            <a:pPr lvl="1"/>
+            <a:endParaRPr lang="en-CA" sz="1800" dirty="0">
+              <a:solidFill>
+                <a:srgbClr val="006666"/>
+              </a:solidFill>
+              <a:latin typeface="Consolas" panose="020B0609020204030204" pitchFamily="49" charset="0"/>
+            </a:endParaRPr>
+          </a:p>
+          <a:p>
+            <a:pPr marL="457200" lvl="1" indent="0">
+              <a:buNone/>
+            </a:pPr>
+            <a:r>
+              <a:rPr lang="en-CA" sz="1800" dirty="0" smtClean="0">
+                <a:solidFill>
+                  <a:srgbClr val="006666"/>
+                </a:solidFill>
+                <a:latin typeface="Consolas" panose="020B0609020204030204" pitchFamily="49" charset="0"/>
+              </a:rPr>
+              <a:t>print(“{} fights {} </a:t>
+            </a:r>
+            <a:r>
+              <a:rPr lang="en-CA" sz="1800" dirty="0">
+                <a:solidFill>
+                  <a:srgbClr val="006666"/>
+                </a:solidFill>
+                <a:latin typeface="Consolas" panose="020B0609020204030204" pitchFamily="49" charset="0"/>
+              </a:rPr>
+              <a:t>while </a:t>
+            </a:r>
+            <a:r>
+              <a:rPr lang="en-CA" sz="1800" dirty="0" smtClean="0">
+                <a:solidFill>
+                  <a:srgbClr val="006666"/>
+                </a:solidFill>
+                <a:latin typeface="Consolas" panose="020B0609020204030204" pitchFamily="49" charset="0"/>
+              </a:rPr>
+              <a:t>{} </a:t>
+            </a:r>
+            <a:r>
+              <a:rPr lang="en-CA" sz="1800" dirty="0">
+                <a:solidFill>
+                  <a:srgbClr val="006666"/>
+                </a:solidFill>
+                <a:latin typeface="Consolas" panose="020B0609020204030204" pitchFamily="49" charset="0"/>
+              </a:rPr>
+              <a:t>goes </a:t>
+            </a:r>
+            <a:r>
+              <a:rPr lang="en-CA" sz="1800" dirty="0" smtClean="0">
+                <a:solidFill>
+                  <a:srgbClr val="006666"/>
+                </a:solidFill>
+                <a:latin typeface="Consolas" panose="020B0609020204030204" pitchFamily="49" charset="0"/>
+              </a:rPr>
+              <a:t>to Hawaii.”</a:t>
+            </a:r>
+          </a:p>
+          <a:p>
+            <a:pPr marL="457200" lvl="1" indent="0">
+              <a:buNone/>
+            </a:pPr>
+            <a:r>
+              <a:rPr lang="en-CA" sz="1800" dirty="0" smtClean="0">
+                <a:solidFill>
+                  <a:srgbClr val="006666"/>
+                </a:solidFill>
+                <a:latin typeface="Consolas" panose="020B0609020204030204" pitchFamily="49" charset="0"/>
+              </a:rPr>
+              <a:t>	.format(</a:t>
+            </a:r>
+            <a:r>
+              <a:rPr lang="en-CA" sz="1800" dirty="0" err="1" smtClean="0">
+                <a:solidFill>
+                  <a:srgbClr val="006666"/>
+                </a:solidFill>
+                <a:latin typeface="Consolas" panose="020B0609020204030204" pitchFamily="49" charset="0"/>
+              </a:rPr>
+              <a:t>good_guy</a:t>
+            </a:r>
+            <a:r>
+              <a:rPr lang="en-CA" sz="1800" dirty="0" smtClean="0">
+                <a:solidFill>
+                  <a:srgbClr val="006666"/>
+                </a:solidFill>
+                <a:latin typeface="Consolas" panose="020B0609020204030204" pitchFamily="49" charset="0"/>
+              </a:rPr>
+              <a:t>, </a:t>
+            </a:r>
+            <a:r>
+              <a:rPr lang="en-CA" sz="1800" dirty="0" err="1" smtClean="0">
+                <a:solidFill>
+                  <a:srgbClr val="006666"/>
+                </a:solidFill>
+                <a:latin typeface="Consolas" panose="020B0609020204030204" pitchFamily="49" charset="0"/>
+              </a:rPr>
+              <a:t>bad_guy</a:t>
+            </a:r>
+            <a:r>
+              <a:rPr lang="en-CA" sz="1800" dirty="0" smtClean="0">
+                <a:solidFill>
+                  <a:srgbClr val="006666"/>
+                </a:solidFill>
+                <a:latin typeface="Consolas" panose="020B0609020204030204" pitchFamily="49" charset="0"/>
+              </a:rPr>
+              <a:t>, </a:t>
+            </a:r>
+            <a:r>
+              <a:rPr lang="en-CA" sz="1800" dirty="0" err="1" smtClean="0">
+                <a:solidFill>
+                  <a:srgbClr val="006666"/>
+                </a:solidFill>
+                <a:latin typeface="Consolas" panose="020B0609020204030204" pitchFamily="49" charset="0"/>
+              </a:rPr>
+              <a:t>neutral_guy</a:t>
+            </a:r>
+            <a:r>
+              <a:rPr lang="en-CA" sz="1800" dirty="0" smtClean="0">
+                <a:solidFill>
+                  <a:srgbClr val="006666"/>
+                </a:solidFill>
+                <a:latin typeface="Consolas" panose="020B0609020204030204" pitchFamily="49" charset="0"/>
+              </a:rPr>
+              <a:t>) </a:t>
+            </a:r>
+            <a:endParaRPr lang="en-CA" sz="1800" dirty="0">
+              <a:solidFill>
+                <a:srgbClr val="006666"/>
+              </a:solidFill>
+              <a:latin typeface="Consolas" panose="020B0609020204030204" pitchFamily="49" charset="0"/>
+            </a:endParaRPr>
+          </a:p>
+          <a:p>
+            <a:pPr lvl="1"/>
+            <a:endParaRPr lang="en-CA" dirty="0"/>
+          </a:p>
+          <a:p>
+            <a:pPr lvl="1"/>
+            <a:endParaRPr lang="en-CA" dirty="0"/>
+          </a:p>
+          <a:p>
+            <a:pPr lvl="1"/>
+            <a:endParaRPr lang="en-CA" dirty="0"/>
+          </a:p>
+        </p:txBody>
+      </p:sp>
+    </p:spTree>
+    <p:extLst>
+      <p:ext uri="{BB962C8B-B14F-4D97-AF65-F5344CB8AC3E}">
+        <p14:creationId xmlns:p14="http://schemas.microsoft.com/office/powerpoint/2010/main" val="1037410848"/>
       </p:ext>
     </p:extLst>
   </p:cSld>
@@ -6672,6 +6888,18 @@
           <a:p>
             <a:r>
               <a:rPr lang="en-US" dirty="0" smtClean="0"/>
+              <a:t>Returning A3</a:t>
+            </a:r>
+          </a:p>
+          <a:p>
+            <a:r>
+              <a:rPr lang="en-US" dirty="0" smtClean="0"/>
+              <a:t>TIPS</a:t>
+            </a:r>
+          </a:p>
+          <a:p>
+            <a:r>
+              <a:rPr lang="en-US" dirty="0" smtClean="0"/>
               <a:t>Dictionary</a:t>
             </a:r>
             <a:endParaRPr lang="en-US" dirty="0" smtClean="0"/>
@@ -6693,6 +6921,207 @@
       </p:par>
     </p:tnLst>
   </p:timing>
+</p:sld>
+</file>
+
+<file path=ppt/slides/slide20.xml><?xml version="1.0" encoding="utf-8"?>
+<p:sld xmlns:a="http://schemas.openxmlformats.org/drawingml/2006/main" xmlns:r="http://schemas.openxmlformats.org/officeDocument/2006/relationships" xmlns:p="http://schemas.openxmlformats.org/presentationml/2006/main">
+  <p:cSld>
+    <p:spTree>
+      <p:nvGrpSpPr>
+        <p:cNvPr id="1" name=""/>
+        <p:cNvGrpSpPr/>
+        <p:nvPr/>
+      </p:nvGrpSpPr>
+      <p:grpSpPr>
+        <a:xfrm>
+          <a:off x="0" y="0"/>
+          <a:ext cx="0" cy="0"/>
+          <a:chOff x="0" y="0"/>
+          <a:chExt cx="0" cy="0"/>
+        </a:xfrm>
+      </p:grpSpPr>
+      <p:sp>
+        <p:nvSpPr>
+          <p:cNvPr id="2" name="Title 1"/>
+          <p:cNvSpPr>
+            <a:spLocks noGrp="1"/>
+          </p:cNvSpPr>
+          <p:nvPr>
+            <p:ph type="title"/>
+          </p:nvPr>
+        </p:nvSpPr>
+        <p:spPr/>
+        <p:txBody>
+          <a:bodyPr/>
+          <a:lstStyle/>
+          <a:p>
+            <a:r>
+              <a:rPr lang="en-CA" dirty="0" smtClean="0"/>
+              <a:t>Dictionary</a:t>
+            </a:r>
+            <a:endParaRPr lang="en-CA" dirty="0"/>
+          </a:p>
+        </p:txBody>
+      </p:sp>
+      <p:sp>
+        <p:nvSpPr>
+          <p:cNvPr id="3" name="Content Placeholder 2"/>
+          <p:cNvSpPr>
+            <a:spLocks noGrp="1"/>
+          </p:cNvSpPr>
+          <p:nvPr>
+            <p:ph idx="1"/>
+          </p:nvPr>
+        </p:nvSpPr>
+        <p:spPr/>
+        <p:txBody>
+          <a:bodyPr/>
+          <a:lstStyle/>
+          <a:p>
+            <a:r>
+              <a:rPr lang="en-CA" dirty="0" smtClean="0"/>
+              <a:t>It doesn’t really matter what the keys and the values are as long as they are </a:t>
+            </a:r>
+            <a:r>
+              <a:rPr lang="en-CA" dirty="0" err="1" smtClean="0"/>
+              <a:t>hashable</a:t>
+            </a:r>
+            <a:r>
+              <a:rPr lang="en-CA" dirty="0" smtClean="0"/>
+              <a:t>. But just because you can doesn’t mean you should:</a:t>
+            </a:r>
+          </a:p>
+          <a:p>
+            <a:pPr marL="457200" lvl="1" indent="0">
+              <a:buNone/>
+            </a:pPr>
+            <a:r>
+              <a:rPr lang="en-CA" dirty="0" err="1" smtClean="0">
+                <a:latin typeface="Consolas" panose="020B0609020204030204" pitchFamily="49" charset="0"/>
+              </a:rPr>
+              <a:t>dict_of_stuffs</a:t>
+            </a:r>
+            <a:r>
+              <a:rPr lang="en-CA" dirty="0" smtClean="0">
+                <a:latin typeface="Consolas" panose="020B0609020204030204" pitchFamily="49" charset="0"/>
+              </a:rPr>
+              <a:t> </a:t>
+            </a:r>
+            <a:r>
+              <a:rPr lang="en-CA" dirty="0">
+                <a:latin typeface="Consolas" panose="020B0609020204030204" pitchFamily="49" charset="0"/>
+              </a:rPr>
+              <a:t>= {</a:t>
+            </a:r>
+          </a:p>
+          <a:p>
+            <a:pPr marL="914400" lvl="2" indent="0">
+              <a:buNone/>
+            </a:pPr>
+            <a:r>
+              <a:rPr lang="en-CA" dirty="0" smtClean="0">
+                <a:latin typeface="Consolas" panose="020B0609020204030204" pitchFamily="49" charset="0"/>
+              </a:rPr>
+              <a:t>-100: {‘Bill Gates’: ‘Bill Nye’, </a:t>
+            </a:r>
+          </a:p>
+          <a:p>
+            <a:pPr marL="914400" lvl="2" indent="0">
+              <a:buNone/>
+            </a:pPr>
+            <a:r>
+              <a:rPr lang="en-CA" dirty="0">
+                <a:latin typeface="Consolas" panose="020B0609020204030204" pitchFamily="49" charset="0"/>
+              </a:rPr>
+              <a:t>	</a:t>
+            </a:r>
+            <a:r>
+              <a:rPr lang="en-CA" dirty="0" smtClean="0">
+                <a:latin typeface="Consolas" panose="020B0609020204030204" pitchFamily="49" charset="0"/>
+              </a:rPr>
+              <a:t>34: [‘HI!, ‘HI!’]},</a:t>
+            </a:r>
+            <a:endParaRPr lang="en-CA" dirty="0">
+              <a:latin typeface="Consolas" panose="020B0609020204030204" pitchFamily="49" charset="0"/>
+            </a:endParaRPr>
+          </a:p>
+          <a:p>
+            <a:pPr marL="914400" lvl="2" indent="0">
+              <a:buNone/>
+            </a:pPr>
+            <a:r>
+              <a:rPr lang="en-CA" dirty="0" smtClean="0">
+                <a:latin typeface="Consolas" panose="020B0609020204030204" pitchFamily="49" charset="0"/>
+              </a:rPr>
+              <a:t>“dinosaur!”: </a:t>
+            </a:r>
+          </a:p>
+          <a:p>
+            <a:pPr marL="914400" lvl="2" indent="0">
+              <a:buNone/>
+            </a:pPr>
+            <a:r>
+              <a:rPr lang="en-CA" dirty="0">
+                <a:latin typeface="Consolas" panose="020B0609020204030204" pitchFamily="49" charset="0"/>
+              </a:rPr>
+              <a:t>	</a:t>
+            </a:r>
+            <a:r>
+              <a:rPr lang="en-CA" dirty="0" smtClean="0">
+                <a:latin typeface="Consolas" panose="020B0609020204030204" pitchFamily="49" charset="0"/>
+              </a:rPr>
+              <a:t>[[1, 2, 3, {‘orange’: ‘juice’}], 	  “pink”]</a:t>
+            </a:r>
+            <a:endParaRPr lang="en-CA" dirty="0">
+              <a:latin typeface="Consolas" panose="020B0609020204030204" pitchFamily="49" charset="0"/>
+            </a:endParaRPr>
+          </a:p>
+          <a:p>
+            <a:pPr marL="457200" lvl="1" indent="0">
+              <a:buNone/>
+            </a:pPr>
+            <a:r>
+              <a:rPr lang="en-CA" dirty="0" smtClean="0">
+                <a:latin typeface="Consolas" panose="020B0609020204030204" pitchFamily="49" charset="0"/>
+              </a:rPr>
+              <a:t>}</a:t>
+            </a:r>
+          </a:p>
+          <a:p>
+            <a:pPr marL="400050"/>
+            <a:r>
+              <a:rPr lang="en-CA" dirty="0" smtClean="0"/>
+              <a:t>If you want to learn </a:t>
+            </a:r>
+            <a:r>
+              <a:rPr lang="en-CA" dirty="0" err="1" smtClean="0"/>
+              <a:t>Javascript</a:t>
+            </a:r>
+            <a:r>
+              <a:rPr lang="en-CA" dirty="0" smtClean="0"/>
+              <a:t> or JSON, you might to get used to something like this though.</a:t>
+            </a:r>
+            <a:endParaRPr lang="en-CA" dirty="0"/>
+          </a:p>
+          <a:p>
+            <a:endParaRPr lang="en-CA" dirty="0"/>
+          </a:p>
+        </p:txBody>
+      </p:sp>
+    </p:spTree>
+    <p:extLst>
+      <p:ext uri="{BB962C8B-B14F-4D97-AF65-F5344CB8AC3E}">
+        <p14:creationId xmlns:p14="http://schemas.microsoft.com/office/powerpoint/2010/main" val="678710911"/>
+      </p:ext>
+    </p:extLst>
+  </p:cSld>
+  <p:clrMapOvr>
+    <a:masterClrMapping/>
+  </p:clrMapOvr>
+  <p:transition>
+    <p:fade thruBlk="1"/>
+  </p:transition>
 </p:sld>
 </file>
 
@@ -6730,7 +7159,7 @@
           <a:p>
             <a:r>
               <a:rPr lang="en-CA" dirty="0" smtClean="0"/>
-              <a:t>Dictionary</a:t>
+              <a:t>TIPS</a:t>
             </a:r>
             <a:endParaRPr lang="en-CA" dirty="0"/>
           </a:p>
@@ -6751,56 +7180,116 @@
           <a:bodyPr/>
           <a:lstStyle/>
           <a:p>
+            <a:pPr marL="457200" indent="-457200">
+              <a:buFont typeface="+mj-lt"/>
+              <a:buAutoNum type="arabicPeriod"/>
+            </a:pPr>
             <a:r>
               <a:rPr lang="en-CA" dirty="0" smtClean="0"/>
-              <a:t>A dictionary is another way of storing data.</a:t>
-            </a:r>
-          </a:p>
-          <a:p>
+              <a:t>Nested ifs can be turned into a single if with “and”:</a:t>
+            </a:r>
+          </a:p>
+          <a:p>
+            <a:pPr marL="400050" lvl="1" indent="0">
+              <a:buNone/>
+            </a:pPr>
+            <a:r>
+              <a:rPr lang="en-CA" dirty="0" smtClean="0">
+                <a:latin typeface="Consolas" panose="020B0609020204030204" pitchFamily="49" charset="0"/>
+              </a:rPr>
+              <a:t>if a == b:</a:t>
+            </a:r>
+          </a:p>
+          <a:p>
+            <a:pPr marL="800100" lvl="2" indent="0">
+              <a:buNone/>
+            </a:pPr>
+            <a:r>
+              <a:rPr lang="en-CA" dirty="0" smtClean="0">
+                <a:latin typeface="Consolas" panose="020B0609020204030204" pitchFamily="49" charset="0"/>
+              </a:rPr>
+              <a:t>If a == c:</a:t>
+            </a:r>
+          </a:p>
+          <a:p>
+            <a:pPr marL="800100" lvl="2" indent="0">
+              <a:buNone/>
+            </a:pPr>
+            <a:r>
+              <a:rPr lang="en-CA" dirty="0">
+                <a:latin typeface="Consolas" panose="020B0609020204030204" pitchFamily="49" charset="0"/>
+              </a:rPr>
+              <a:t>	</a:t>
+            </a:r>
+            <a:r>
+              <a:rPr lang="en-CA" dirty="0" smtClean="0">
+                <a:latin typeface="Consolas" panose="020B0609020204030204" pitchFamily="49" charset="0"/>
+              </a:rPr>
+              <a:t>print(a)</a:t>
+            </a:r>
+          </a:p>
+          <a:p>
+            <a:pPr marL="800100" lvl="2" indent="0">
+              <a:buNone/>
+            </a:pPr>
+            <a:endParaRPr lang="en-CA" dirty="0">
+              <a:latin typeface="Consolas" panose="020B0609020204030204" pitchFamily="49" charset="0"/>
+            </a:endParaRPr>
+          </a:p>
+          <a:p>
+            <a:pPr marL="800100" lvl="2" indent="0">
+              <a:buNone/>
+            </a:pPr>
             <a:r>
               <a:rPr lang="en-CA" dirty="0" smtClean="0"/>
-              <a:t>Someone can access its elements by using a key.</a:t>
-            </a:r>
-          </a:p>
-          <a:p>
-            <a:r>
-              <a:rPr lang="en-CA" dirty="0" smtClean="0"/>
-              <a:t>Unlike list’s index, the dictionary key can be anything “</a:t>
-            </a:r>
-            <a:r>
-              <a:rPr lang="en-CA" dirty="0" err="1" smtClean="0"/>
-              <a:t>hashable</a:t>
-            </a:r>
-            <a:r>
-              <a:rPr lang="en-CA" dirty="0" smtClean="0"/>
-              <a:t>” and not just an integer:</a:t>
-            </a:r>
-          </a:p>
-          <a:p>
-            <a:pPr lvl="1"/>
-            <a:r>
-              <a:rPr lang="en-CA" dirty="0" smtClean="0"/>
-              <a:t>For instance you can have a string key, an integer key, or a float key</a:t>
-            </a:r>
-            <a:r>
-              <a:rPr lang="en-CA" dirty="0" smtClean="0"/>
-              <a:t>.</a:t>
-            </a:r>
-            <a:endParaRPr lang="en-CA" dirty="0" smtClean="0"/>
-          </a:p>
-          <a:p>
-            <a:r>
-              <a:rPr lang="en-CA" dirty="0" smtClean="0"/>
-              <a:t>But it does not keep its values sorted, so when you iterate through it, expect the order to be random.</a:t>
-            </a:r>
-            <a:endParaRPr lang="en-CA" dirty="0"/>
+              <a:t>is equivalent to</a:t>
+            </a:r>
+          </a:p>
+          <a:p>
+            <a:pPr marL="800100" lvl="2" indent="0">
+              <a:buNone/>
+            </a:pPr>
+            <a:endParaRPr lang="en-CA" dirty="0" smtClean="0">
+              <a:latin typeface="Consolas" panose="020B0609020204030204" pitchFamily="49" charset="0"/>
+            </a:endParaRPr>
+          </a:p>
+          <a:p>
+            <a:pPr marL="400050" lvl="1" indent="0">
+              <a:buNone/>
+            </a:pPr>
+            <a:r>
+              <a:rPr lang="en-CA" dirty="0" smtClean="0">
+                <a:latin typeface="Consolas" panose="020B0609020204030204" pitchFamily="49" charset="0"/>
+              </a:rPr>
+              <a:t>if a == b and a == c:</a:t>
+            </a:r>
+          </a:p>
+          <a:p>
+            <a:pPr marL="400050" lvl="1" indent="0">
+              <a:buNone/>
+            </a:pPr>
+            <a:r>
+              <a:rPr lang="en-CA" dirty="0">
+                <a:latin typeface="Consolas" panose="020B0609020204030204" pitchFamily="49" charset="0"/>
+              </a:rPr>
+              <a:t>	</a:t>
+            </a:r>
+            <a:r>
+              <a:rPr lang="en-CA" dirty="0" smtClean="0">
+                <a:latin typeface="Consolas" panose="020B0609020204030204" pitchFamily="49" charset="0"/>
+              </a:rPr>
+              <a:t>print(a)</a:t>
+            </a:r>
+            <a:endParaRPr lang="en-CA" dirty="0">
+              <a:latin typeface="Consolas" panose="020B0609020204030204" pitchFamily="49" charset="0"/>
+            </a:endParaRPr>
           </a:p>
         </p:txBody>
       </p:sp>
     </p:spTree>
     <p:extLst>
       <p:ext uri="{BB962C8B-B14F-4D97-AF65-F5344CB8AC3E}">
-        <p14:creationId xmlns:p14="http://schemas.microsoft.com/office/powerpoint/2010/main" val="3257239783"/>
+        <p14:creationId xmlns:p14="http://schemas.microsoft.com/office/powerpoint/2010/main" val="3478170904"/>
       </p:ext>
     </p:extLst>
   </p:cSld>
@@ -6846,10 +7335,9 @@
           <a:lstStyle/>
           <a:p>
             <a:r>
-              <a:rPr lang="en-CA" dirty="0" smtClean="0"/>
-              <a:t>Dictionary</a:t>
-            </a:r>
-            <a:endParaRPr lang="en-CA" dirty="0"/>
+              <a:rPr lang="en-CA" dirty="0"/>
+              <a:t>TIPS</a:t>
+            </a:r>
           </a:p>
         </p:txBody>
       </p:sp>
@@ -6868,164 +7356,196 @@
           <a:bodyPr/>
           <a:lstStyle/>
           <a:p>
+            <a:pPr marL="457200" indent="-457200">
+              <a:buFont typeface="+mj-lt"/>
+              <a:buAutoNum type="arabicPeriod" startAt="2"/>
+            </a:pPr>
             <a:r>
               <a:rPr lang="en-CA" dirty="0" smtClean="0"/>
-              <a:t>A dictionary can be created through this code:</a:t>
-            </a:r>
-          </a:p>
-          <a:p>
-            <a:pPr marL="457200" lvl="1" indent="0">
+              <a:t>You can also simplify some Boolean functions:</a:t>
+            </a:r>
+          </a:p>
+          <a:p>
+            <a:pPr marL="400050" lvl="1" indent="0">
               <a:buNone/>
             </a:pPr>
             <a:r>
               <a:rPr lang="en-CA" dirty="0" err="1" smtClean="0">
                 <a:latin typeface="Consolas" panose="020B0609020204030204" pitchFamily="49" charset="0"/>
               </a:rPr>
-              <a:t>dict</a:t>
+              <a:t>def</a:t>
             </a:r>
             <a:r>
               <a:rPr lang="en-CA" dirty="0" smtClean="0">
                 <a:latin typeface="Consolas" panose="020B0609020204030204" pitchFamily="49" charset="0"/>
               </a:rPr>
-              <a:t> = {}</a:t>
-            </a:r>
-          </a:p>
-          <a:p>
-            <a:r>
-              <a:rPr lang="en-CA" dirty="0" smtClean="0"/>
-              <a:t>You can access or set an element in the dictionary by using []:</a:t>
-            </a:r>
-          </a:p>
-          <a:p>
-            <a:pPr marL="457200" lvl="1" indent="0">
-              <a:buNone/>
-            </a:pPr>
-            <a:r>
-              <a:rPr lang="en-CA" dirty="0" err="1" smtClean="0">
-                <a:latin typeface="Consolas" panose="020B0609020204030204" pitchFamily="49" charset="0"/>
-              </a:rPr>
-              <a:t>dict</a:t>
+              <a:t> f(x, </a:t>
+            </a:r>
+            <a:r>
+              <a:rPr lang="en-CA" dirty="0">
+                <a:latin typeface="Consolas" panose="020B0609020204030204" pitchFamily="49" charset="0"/>
+              </a:rPr>
+              <a:t>y</a:t>
             </a:r>
             <a:r>
               <a:rPr lang="en-CA" dirty="0" smtClean="0">
                 <a:latin typeface="Consolas" panose="020B0609020204030204" pitchFamily="49" charset="0"/>
               </a:rPr>
-              <a:t>[‘A’] = “Ant is an evil creature.”</a:t>
-            </a:r>
-          </a:p>
-          <a:p>
-            <a:pPr marL="457200" lvl="1" indent="0">
-              <a:buNone/>
-            </a:pPr>
-            <a:r>
-              <a:rPr lang="en-CA" dirty="0" smtClean="0">
-                <a:latin typeface="Consolas" panose="020B0609020204030204" pitchFamily="49" charset="0"/>
-              </a:rPr>
-              <a:t>print(</a:t>
-            </a:r>
-            <a:r>
-              <a:rPr lang="en-CA" dirty="0" err="1" smtClean="0">
-                <a:latin typeface="Consolas" panose="020B0609020204030204" pitchFamily="49" charset="0"/>
-              </a:rPr>
-              <a:t>dict</a:t>
-            </a:r>
-            <a:r>
-              <a:rPr lang="en-CA" dirty="0" smtClean="0">
-                <a:latin typeface="Consolas" panose="020B0609020204030204" pitchFamily="49" charset="0"/>
-              </a:rPr>
-              <a:t>[‘A’])</a:t>
-            </a:r>
-          </a:p>
-          <a:p>
-            <a:r>
-              <a:rPr lang="en-CA" dirty="0" smtClean="0"/>
-              <a:t>Assigning a non-existent element will create it.</a:t>
-            </a:r>
-          </a:p>
-          <a:p>
-            <a:pPr marL="457200" lvl="1" indent="0">
-              <a:buNone/>
-            </a:pPr>
-            <a:r>
-              <a:rPr lang="en-CA" dirty="0" err="1" smtClean="0">
-                <a:latin typeface="Consolas" panose="020B0609020204030204" pitchFamily="49" charset="0"/>
-              </a:rPr>
-              <a:t>dict</a:t>
-            </a:r>
-            <a:r>
-              <a:rPr lang="en-CA" dirty="0">
-                <a:latin typeface="Consolas" panose="020B0609020204030204" pitchFamily="49" charset="0"/>
-              </a:rPr>
-              <a:t> </a:t>
-            </a:r>
-            <a:r>
-              <a:rPr lang="en-CA" dirty="0" smtClean="0">
-                <a:latin typeface="Consolas" panose="020B0609020204030204" pitchFamily="49" charset="0"/>
-              </a:rPr>
-              <a:t>= {}</a:t>
-            </a:r>
-          </a:p>
-          <a:p>
-            <a:pPr marL="457200" lvl="1" indent="0">
-              <a:buNone/>
-            </a:pPr>
-            <a:r>
-              <a:rPr lang="en-CA" dirty="0" err="1" smtClean="0">
-                <a:latin typeface="Consolas" panose="020B0609020204030204" pitchFamily="49" charset="0"/>
-              </a:rPr>
-              <a:t>dict</a:t>
-            </a:r>
-            <a:r>
-              <a:rPr lang="en-CA" dirty="0" smtClean="0">
-                <a:latin typeface="Consolas" panose="020B0609020204030204" pitchFamily="49" charset="0"/>
-              </a:rPr>
-              <a:t>[‘Calgary’] = ‘SAIT, </a:t>
-            </a:r>
-            <a:r>
-              <a:rPr lang="en-CA" dirty="0" err="1" smtClean="0">
-                <a:latin typeface="Consolas" panose="020B0609020204030204" pitchFamily="49" charset="0"/>
-              </a:rPr>
-              <a:t>UofC</a:t>
-            </a:r>
-            <a:r>
-              <a:rPr lang="en-CA" dirty="0" smtClean="0">
-                <a:latin typeface="Consolas" panose="020B0609020204030204" pitchFamily="49" charset="0"/>
-              </a:rPr>
-              <a:t>’</a:t>
-            </a:r>
-          </a:p>
-          <a:p>
-            <a:pPr marL="457200" lvl="1" indent="0">
-              <a:buNone/>
-            </a:pPr>
-            <a:r>
-              <a:rPr lang="en-CA" dirty="0" smtClean="0">
-                <a:latin typeface="Consolas" panose="020B0609020204030204" pitchFamily="49" charset="0"/>
-              </a:rPr>
-              <a:t>print(</a:t>
-            </a:r>
-            <a:r>
-              <a:rPr lang="en-CA" dirty="0" err="1" smtClean="0">
-                <a:latin typeface="Consolas" panose="020B0609020204030204" pitchFamily="49" charset="0"/>
-              </a:rPr>
-              <a:t>dict</a:t>
-            </a:r>
-            <a:r>
-              <a:rPr lang="en-CA" dirty="0" smtClean="0">
-                <a:latin typeface="Consolas" panose="020B0609020204030204" pitchFamily="49" charset="0"/>
-              </a:rPr>
-              <a:t>[‘Calgary’])</a:t>
+              <a:t>):</a:t>
             </a:r>
             <a:endParaRPr lang="en-CA" dirty="0">
               <a:latin typeface="Consolas" panose="020B0609020204030204" pitchFamily="49" charset="0"/>
             </a:endParaRPr>
           </a:p>
+          <a:p>
+            <a:pPr marL="800100" lvl="2" indent="0">
+              <a:buNone/>
+            </a:pPr>
+            <a:r>
+              <a:rPr lang="en-CA" dirty="0" smtClean="0">
+                <a:latin typeface="Consolas" panose="020B0609020204030204" pitchFamily="49" charset="0"/>
+              </a:rPr>
+              <a:t>if </a:t>
+            </a:r>
+            <a:r>
+              <a:rPr lang="en-CA" dirty="0">
+                <a:latin typeface="Consolas" panose="020B0609020204030204" pitchFamily="49" charset="0"/>
+              </a:rPr>
+              <a:t>x</a:t>
+            </a:r>
+            <a:r>
+              <a:rPr lang="en-CA" dirty="0" smtClean="0">
+                <a:latin typeface="Consolas" panose="020B0609020204030204" pitchFamily="49" charset="0"/>
+              </a:rPr>
+              <a:t> == y:</a:t>
+            </a:r>
+            <a:endParaRPr lang="en-CA" dirty="0">
+              <a:latin typeface="Consolas" panose="020B0609020204030204" pitchFamily="49" charset="0"/>
+            </a:endParaRPr>
+          </a:p>
+          <a:p>
+            <a:pPr marL="800100" lvl="2" indent="0">
+              <a:buNone/>
+            </a:pPr>
+            <a:r>
+              <a:rPr lang="en-CA" dirty="0">
+                <a:latin typeface="Consolas" panose="020B0609020204030204" pitchFamily="49" charset="0"/>
+              </a:rPr>
+              <a:t>	</a:t>
+            </a:r>
+            <a:r>
+              <a:rPr lang="en-CA" dirty="0" smtClean="0">
+                <a:latin typeface="Consolas" panose="020B0609020204030204" pitchFamily="49" charset="0"/>
+              </a:rPr>
+              <a:t>return True</a:t>
+            </a:r>
+          </a:p>
+          <a:p>
+            <a:pPr marL="800100" lvl="2" indent="0">
+              <a:buNone/>
+            </a:pPr>
+            <a:r>
+              <a:rPr lang="en-CA" dirty="0" smtClean="0">
+                <a:latin typeface="Consolas" panose="020B0609020204030204" pitchFamily="49" charset="0"/>
+              </a:rPr>
+              <a:t>else:</a:t>
+            </a:r>
+          </a:p>
+          <a:p>
+            <a:pPr marL="800100" lvl="2" indent="0">
+              <a:buNone/>
+            </a:pPr>
+            <a:r>
+              <a:rPr lang="en-CA" dirty="0">
+                <a:latin typeface="Consolas" panose="020B0609020204030204" pitchFamily="49" charset="0"/>
+              </a:rPr>
+              <a:t>	</a:t>
+            </a:r>
+            <a:r>
+              <a:rPr lang="en-CA" dirty="0" smtClean="0">
+                <a:latin typeface="Consolas" panose="020B0609020204030204" pitchFamily="49" charset="0"/>
+              </a:rPr>
+              <a:t>return False</a:t>
+            </a:r>
+            <a:endParaRPr lang="en-CA" dirty="0">
+              <a:latin typeface="Consolas" panose="020B0609020204030204" pitchFamily="49" charset="0"/>
+            </a:endParaRPr>
+          </a:p>
+          <a:p>
+            <a:pPr marL="800100" lvl="2" indent="0">
+              <a:buNone/>
+            </a:pPr>
+            <a:endParaRPr lang="en-CA" dirty="0">
+              <a:latin typeface="Consolas" panose="020B0609020204030204" pitchFamily="49" charset="0"/>
+            </a:endParaRPr>
+          </a:p>
+          <a:p>
+            <a:pPr marL="800100" lvl="2" indent="0">
+              <a:buNone/>
+            </a:pPr>
+            <a:r>
+              <a:rPr lang="en-CA" dirty="0"/>
+              <a:t>is equivalent to</a:t>
+            </a:r>
+          </a:p>
+          <a:p>
+            <a:pPr marL="800100" lvl="2" indent="0">
+              <a:buNone/>
+            </a:pPr>
+            <a:endParaRPr lang="en-CA" dirty="0">
+              <a:latin typeface="Consolas" panose="020B0609020204030204" pitchFamily="49" charset="0"/>
+            </a:endParaRPr>
+          </a:p>
+          <a:p>
+            <a:pPr marL="400050" lvl="1" indent="0">
+              <a:buNone/>
+            </a:pPr>
+            <a:r>
+              <a:rPr lang="en-CA" dirty="0" err="1">
+                <a:latin typeface="Consolas" panose="020B0609020204030204" pitchFamily="49" charset="0"/>
+              </a:rPr>
+              <a:t>def</a:t>
+            </a:r>
+            <a:r>
+              <a:rPr lang="en-CA" dirty="0">
+                <a:latin typeface="Consolas" panose="020B0609020204030204" pitchFamily="49" charset="0"/>
+              </a:rPr>
+              <a:t> f(x, y):</a:t>
+            </a:r>
+          </a:p>
+          <a:p>
+            <a:pPr marL="400050" lvl="1" indent="0">
+              <a:buNone/>
+            </a:pPr>
+            <a:r>
+              <a:rPr lang="en-CA" dirty="0">
+                <a:latin typeface="Consolas" panose="020B0609020204030204" pitchFamily="49" charset="0"/>
+              </a:rPr>
+              <a:t>	</a:t>
+            </a:r>
+            <a:r>
+              <a:rPr lang="en-CA" dirty="0" smtClean="0">
+                <a:latin typeface="Consolas" panose="020B0609020204030204" pitchFamily="49" charset="0"/>
+              </a:rPr>
+              <a:t>return x == y</a:t>
+            </a:r>
+            <a:endParaRPr lang="en-CA" dirty="0">
+              <a:latin typeface="Consolas" panose="020B0609020204030204" pitchFamily="49" charset="0"/>
+            </a:endParaRPr>
+          </a:p>
+          <a:p>
+            <a:pPr marL="457200" indent="-457200">
+              <a:buFont typeface="+mj-lt"/>
+              <a:buAutoNum type="arabicPeriod" startAt="2"/>
+            </a:pPr>
+            <a:endParaRPr lang="en-CA" dirty="0"/>
+          </a:p>
         </p:txBody>
       </p:sp>
     </p:spTree>
     <p:extLst>
       <p:ext uri="{BB962C8B-B14F-4D97-AF65-F5344CB8AC3E}">
-        <p14:creationId xmlns:p14="http://schemas.microsoft.com/office/powerpoint/2010/main" val="1968110207"/>
+        <p14:creationId xmlns:p14="http://schemas.microsoft.com/office/powerpoint/2010/main" val="2189492690"/>
       </p:ext>
     </p:extLst>
   </p:cSld>
@@ -7095,61 +7615,49 @@
           <a:p>
             <a:r>
               <a:rPr lang="en-CA" dirty="0" smtClean="0"/>
-              <a:t>You can also prepopulate a dictionary</a:t>
-            </a:r>
-          </a:p>
-          <a:p>
-            <a:pPr marL="457200" lvl="1" indent="0">
-              <a:buNone/>
-            </a:pPr>
-            <a:r>
-              <a:rPr lang="en-CA" dirty="0" err="1" smtClean="0">
-                <a:latin typeface="Consolas" panose="020B0609020204030204" pitchFamily="49" charset="0"/>
-              </a:rPr>
-              <a:t>dict</a:t>
-            </a:r>
-            <a:r>
-              <a:rPr lang="en-CA" dirty="0" smtClean="0">
-                <a:latin typeface="Consolas" panose="020B0609020204030204" pitchFamily="49" charset="0"/>
-              </a:rPr>
-              <a:t> = {1: ‘apple’, 2: ‘orange’} </a:t>
+              <a:t>A dictionary is another way of storing data.</a:t>
             </a:r>
           </a:p>
           <a:p>
             <a:r>
               <a:rPr lang="en-CA" dirty="0" smtClean="0"/>
-              <a:t>To delete an element, use del:</a:t>
-            </a:r>
-          </a:p>
-          <a:p>
-            <a:pPr marL="457200" lvl="1" indent="0">
-              <a:buNone/>
-            </a:pPr>
-            <a:r>
-              <a:rPr lang="en-CA" dirty="0" smtClean="0">
-                <a:latin typeface="Consolas" panose="020B0609020204030204" pitchFamily="49" charset="0"/>
-              </a:rPr>
-              <a:t>del </a:t>
-            </a:r>
-            <a:r>
-              <a:rPr lang="en-CA" dirty="0" err="1" smtClean="0">
-                <a:latin typeface="Consolas" panose="020B0609020204030204" pitchFamily="49" charset="0"/>
-              </a:rPr>
-              <a:t>dict</a:t>
-            </a:r>
-            <a:r>
-              <a:rPr lang="en-CA" dirty="0" smtClean="0">
-                <a:latin typeface="Consolas" panose="020B0609020204030204" pitchFamily="49" charset="0"/>
-              </a:rPr>
-              <a:t>[‘Calgary’]</a:t>
-            </a:r>
+              <a:t>Someone can access its elements by using a key.</a:t>
+            </a:r>
+          </a:p>
+          <a:p>
+            <a:r>
+              <a:rPr lang="en-CA" dirty="0" smtClean="0"/>
+              <a:t>Unlike list’s index, the dictionary key can be anything “</a:t>
+            </a:r>
+            <a:r>
+              <a:rPr lang="en-CA" dirty="0" err="1" smtClean="0"/>
+              <a:t>hashable</a:t>
+            </a:r>
+            <a:r>
+              <a:rPr lang="en-CA" dirty="0" smtClean="0"/>
+              <a:t>” and not just an integer:</a:t>
+            </a:r>
+          </a:p>
+          <a:p>
+            <a:pPr lvl="1"/>
+            <a:r>
+              <a:rPr lang="en-CA" dirty="0" smtClean="0"/>
+              <a:t>For instance you can have a string key, an integer key, or a float key.</a:t>
+            </a:r>
+          </a:p>
+          <a:p>
+            <a:r>
+              <a:rPr lang="en-CA" dirty="0" smtClean="0"/>
+              <a:t>But it does not keep its values sorted, so when you iterate through it, expect the order to be random.</a:t>
+            </a:r>
+            <a:endParaRPr lang="en-CA" dirty="0"/>
           </a:p>
         </p:txBody>
       </p:sp>
     </p:spTree>
     <p:extLst>
       <p:ext uri="{BB962C8B-B14F-4D97-AF65-F5344CB8AC3E}">
-        <p14:creationId xmlns:p14="http://schemas.microsoft.com/office/powerpoint/2010/main" val="1625842153"/>
+        <p14:creationId xmlns:p14="http://schemas.microsoft.com/office/powerpoint/2010/main" val="3257239783"/>
       </p:ext>
     </p:extLst>
   </p:cSld>
@@ -7219,7 +7727,7 @@
           <a:p>
             <a:r>
               <a:rPr lang="en-CA" dirty="0" smtClean="0"/>
-              <a:t>Example 1: Country and Telephone Code</a:t>
+              <a:t>A dictionary can be created through this code:</a:t>
             </a:r>
           </a:p>
           <a:p>
@@ -7230,82 +7738,142 @@
               <a:rPr lang="en-CA" dirty="0" err="1" smtClean="0">
                 <a:latin typeface="Consolas" panose="020B0609020204030204" pitchFamily="49" charset="0"/>
               </a:rPr>
-              <a:t>country_code</a:t>
+              <a:t>dict</a:t>
             </a:r>
             <a:r>
               <a:rPr lang="en-CA" dirty="0" smtClean="0">
                 <a:latin typeface="Consolas" panose="020B0609020204030204" pitchFamily="49" charset="0"/>
               </a:rPr>
-              <a:t> = {</a:t>
-            </a:r>
-          </a:p>
-          <a:p>
-            <a:pPr marL="914400" lvl="2" indent="0">
+              <a:t> = {}</a:t>
+            </a:r>
+          </a:p>
+          <a:p>
+            <a:r>
+              <a:rPr lang="en-CA" dirty="0" smtClean="0"/>
+              <a:t>You can access or set an element in the dictionary by using []:</a:t>
+            </a:r>
+          </a:p>
+          <a:p>
+            <a:pPr marL="457200" lvl="1" indent="0">
               <a:buNone/>
             </a:pPr>
             <a:r>
+              <a:rPr lang="en-CA" dirty="0" err="1" smtClean="0">
+                <a:latin typeface="Consolas" panose="020B0609020204030204" pitchFamily="49" charset="0"/>
+              </a:rPr>
+              <a:t>dict</a:t>
+            </a:r>
+            <a:r>
               <a:rPr lang="en-CA" dirty="0" smtClean="0">
                 <a:latin typeface="Consolas" panose="020B0609020204030204" pitchFamily="49" charset="0"/>
               </a:rPr>
-              <a:t>1: ‘USA’,</a:t>
-            </a:r>
-          </a:p>
-          <a:p>
-            <a:pPr marL="914400" lvl="2" indent="0">
+              <a:t>[‘A’] = “Ant is an evil creature.”</a:t>
+            </a:r>
+          </a:p>
+          <a:p>
+            <a:pPr marL="457200" lvl="1" indent="0">
               <a:buNone/>
             </a:pPr>
             <a:r>
               <a:rPr lang="en-CA" dirty="0" smtClean="0">
                 <a:latin typeface="Consolas" panose="020B0609020204030204" pitchFamily="49" charset="0"/>
               </a:rPr>
-              <a:t>20: ‘Egypt’,</a:t>
-            </a:r>
-          </a:p>
-          <a:p>
-            <a:pPr marL="914400" lvl="2" indent="0">
+              <a:t>print(</a:t>
+            </a:r>
+            <a:r>
+              <a:rPr lang="en-CA" dirty="0" err="1" smtClean="0">
+                <a:latin typeface="Consolas" panose="020B0609020204030204" pitchFamily="49" charset="0"/>
+              </a:rPr>
+              <a:t>dict</a:t>
+            </a:r>
+            <a:r>
+              <a:rPr lang="en-CA" dirty="0" smtClean="0">
+                <a:latin typeface="Consolas" panose="020B0609020204030204" pitchFamily="49" charset="0"/>
+              </a:rPr>
+              <a:t>[‘A’])</a:t>
+            </a:r>
+          </a:p>
+          <a:p>
+            <a:r>
+              <a:rPr lang="en-CA" dirty="0" smtClean="0"/>
+              <a:t>Assigning a non-existent element will create it.</a:t>
+            </a:r>
+          </a:p>
+          <a:p>
+            <a:pPr marL="457200" lvl="1" indent="0">
               <a:buNone/>
             </a:pPr>
             <a:r>
+              <a:rPr lang="en-CA" dirty="0" err="1" smtClean="0">
+                <a:latin typeface="Consolas" panose="020B0609020204030204" pitchFamily="49" charset="0"/>
+              </a:rPr>
+              <a:t>dict</a:t>
+            </a:r>
+            <a:r>
+              <a:rPr lang="en-CA" dirty="0">
+                <a:latin typeface="Consolas" panose="020B0609020204030204" pitchFamily="49" charset="0"/>
+              </a:rPr>
+              <a:t> </a:t>
+            </a:r>
+            <a:r>
               <a:rPr lang="en-CA" dirty="0" smtClean="0">
                 <a:latin typeface="Consolas" panose="020B0609020204030204" pitchFamily="49" charset="0"/>
               </a:rPr>
-              <a:t>357: ‘</a:t>
-            </a:r>
+              <a:t>= {}</a:t>
+            </a:r>
+          </a:p>
+          <a:p>
+            <a:pPr marL="457200" lvl="1" indent="0">
+              <a:buNone/>
+            </a:pPr>
             <a:r>
               <a:rPr lang="en-CA" dirty="0" err="1" smtClean="0">
                 <a:latin typeface="Consolas" panose="020B0609020204030204" pitchFamily="49" charset="0"/>
               </a:rPr>
-              <a:t>Cypurs</a:t>
+              <a:t>dict</a:t>
             </a:r>
             <a:r>
               <a:rPr lang="en-CA" dirty="0" smtClean="0">
                 <a:latin typeface="Consolas" panose="020B0609020204030204" pitchFamily="49" charset="0"/>
               </a:rPr>
-              <a:t>’,</a:t>
-            </a:r>
-          </a:p>
-          <a:p>
-            <a:pPr marL="914400" lvl="2" indent="0">
+              <a:t>[‘Calgary’] = ‘SAIT, </a:t>
+            </a:r>
+            <a:r>
+              <a:rPr lang="en-CA" dirty="0" err="1" smtClean="0">
+                <a:latin typeface="Consolas" panose="020B0609020204030204" pitchFamily="49" charset="0"/>
+              </a:rPr>
+              <a:t>UofC</a:t>
+            </a:r>
+            <a:r>
+              <a:rPr lang="en-CA" dirty="0" smtClean="0">
+                <a:latin typeface="Consolas" panose="020B0609020204030204" pitchFamily="49" charset="0"/>
+              </a:rPr>
+              <a:t>’</a:t>
+            </a:r>
+          </a:p>
+          <a:p>
+            <a:pPr marL="457200" lvl="1" indent="0">
               <a:buNone/>
             </a:pPr>
             <a:r>
               <a:rPr lang="en-CA" dirty="0" smtClean="0">
                 <a:latin typeface="Consolas" panose="020B0609020204030204" pitchFamily="49" charset="0"/>
               </a:rPr>
-              <a:t>66: ‘Thailand’</a:t>
-            </a:r>
-          </a:p>
-          <a:p>
-            <a:pPr marL="457200" lvl="1" indent="0">
-              <a:buNone/>
-            </a:pPr>
-            <a:r>
-              <a:rPr lang="en-CA" dirty="0">
-                <a:latin typeface="Consolas" panose="020B0609020204030204" pitchFamily="49" charset="0"/>
-              </a:rPr>
-              <a:t>}</a:t>
-            </a:r>
-            <a:endParaRPr lang="en-CA" dirty="0" smtClean="0">
+              <a:t>print(</a:t>
+            </a:r>
+            <a:r>
+              <a:rPr lang="en-CA" dirty="0" err="1" smtClean="0">
+                <a:latin typeface="Consolas" panose="020B0609020204030204" pitchFamily="49" charset="0"/>
+              </a:rPr>
+              <a:t>dict</a:t>
+            </a:r>
+            <a:r>
+              <a:rPr lang="en-CA" dirty="0" smtClean="0">
+                <a:latin typeface="Consolas" panose="020B0609020204030204" pitchFamily="49" charset="0"/>
+              </a:rPr>
+              <a:t>[‘Calgary’])</a:t>
+            </a:r>
+            <a:endParaRPr lang="en-CA" dirty="0">
               <a:latin typeface="Consolas" panose="020B0609020204030204" pitchFamily="49" charset="0"/>
             </a:endParaRPr>
           </a:p>
@@ -7314,7 +7882,7 @@
     </p:spTree>
     <p:extLst>
       <p:ext uri="{BB962C8B-B14F-4D97-AF65-F5344CB8AC3E}">
-        <p14:creationId xmlns:p14="http://schemas.microsoft.com/office/powerpoint/2010/main" val="4055584401"/>
+        <p14:creationId xmlns:p14="http://schemas.microsoft.com/office/powerpoint/2010/main" val="1968110207"/>
       </p:ext>
     </p:extLst>
   </p:cSld>
@@ -7383,38 +7951,54 @@
           <a:lstStyle/>
           <a:p>
             <a:r>
+              <a:rPr lang="en-CA" dirty="0" smtClean="0"/>
+              <a:t>You can also prepopulate a dictionary</a:t>
+            </a:r>
+          </a:p>
+          <a:p>
+            <a:pPr marL="457200" lvl="1" indent="0">
+              <a:buNone/>
+            </a:pPr>
+            <a:r>
+              <a:rPr lang="en-CA" dirty="0" err="1" smtClean="0">
+                <a:latin typeface="Consolas" panose="020B0609020204030204" pitchFamily="49" charset="0"/>
+              </a:rPr>
+              <a:t>dict</a:t>
+            </a:r>
+            <a:r>
               <a:rPr lang="en-CA" dirty="0" smtClean="0">
-                <a:solidFill>
-                  <a:srgbClr val="0070C0"/>
-                </a:solidFill>
-              </a:rPr>
-              <a:t>EXERCISE #1: Canada has the same number code with USA, so we might want to add that. So if </a:t>
+                <a:latin typeface="Consolas" panose="020B0609020204030204" pitchFamily="49" charset="0"/>
+              </a:rPr>
+              <a:t> = {1: ‘apple’, 2: ‘orange’} </a:t>
+            </a:r>
+          </a:p>
+          <a:p>
+            <a:r>
+              <a:rPr lang="en-CA" dirty="0" smtClean="0"/>
+              <a:t>To delete an element, use del:</a:t>
+            </a:r>
+          </a:p>
+          <a:p>
+            <a:pPr marL="457200" lvl="1" indent="0">
+              <a:buNone/>
+            </a:pPr>
+            <a:r>
+              <a:rPr lang="en-CA" dirty="0" smtClean="0">
+                <a:latin typeface="Consolas" panose="020B0609020204030204" pitchFamily="49" charset="0"/>
+              </a:rPr>
+              <a:t>del </a:t>
             </a:r>
             <a:r>
               <a:rPr lang="en-CA" dirty="0" err="1" smtClean="0">
-                <a:solidFill>
-                  <a:srgbClr val="0070C0"/>
-                </a:solidFill>
-              </a:rPr>
-              <a:t>country_code</a:t>
+                <a:latin typeface="Consolas" panose="020B0609020204030204" pitchFamily="49" charset="0"/>
+              </a:rPr>
+              <a:t>dict</a:t>
             </a:r>
             <a:r>
               <a:rPr lang="en-CA" dirty="0" smtClean="0">
-                <a:solidFill>
-                  <a:srgbClr val="0070C0"/>
-                </a:solidFill>
-              </a:rPr>
-              <a:t>[1] = ‘Canada’ is entered, what happens?</a:t>
-            </a:r>
-          </a:p>
-          <a:p>
-            <a:r>
-              <a:rPr lang="en-CA" dirty="0" smtClean="0">
-                <a:solidFill>
-                  <a:srgbClr val="0070C0"/>
-                </a:solidFill>
-              </a:rPr>
-              <a:t>EXERCISE #2: A new nation is born. Its number code is 217. Its name is ‘Bob’s Lands’. How to add it into the list?</a:t>
+                <a:latin typeface="Consolas" panose="020B0609020204030204" pitchFamily="49" charset="0"/>
+              </a:rPr>
+              <a:t>[‘Calgary’]</a:t>
             </a:r>
           </a:p>
         </p:txBody>
@@ -7422,7 +8006,7 @@
     </p:spTree>
     <p:extLst>
       <p:ext uri="{BB962C8B-B14F-4D97-AF65-F5344CB8AC3E}">
-        <p14:creationId xmlns:p14="http://schemas.microsoft.com/office/powerpoint/2010/main" val="2307172204"/>
+        <p14:creationId xmlns:p14="http://schemas.microsoft.com/office/powerpoint/2010/main" val="1625842153"/>
       </p:ext>
     </p:extLst>
   </p:cSld>
@@ -7491,22 +8075,81 @@
           <a:lstStyle/>
           <a:p>
             <a:r>
+              <a:rPr lang="en-CA" dirty="0" smtClean="0"/>
+              <a:t>Example 1: Country and Telephone Code</a:t>
+            </a:r>
+          </a:p>
+          <a:p>
+            <a:pPr marL="457200" lvl="1" indent="0">
+              <a:buNone/>
+            </a:pPr>
+            <a:r>
+              <a:rPr lang="en-CA" dirty="0" err="1" smtClean="0">
+                <a:latin typeface="Consolas" panose="020B0609020204030204" pitchFamily="49" charset="0"/>
+              </a:rPr>
+              <a:t>country_code</a:t>
+            </a:r>
+            <a:r>
               <a:rPr lang="en-CA" dirty="0" smtClean="0">
-                <a:solidFill>
-                  <a:srgbClr val="0070C0"/>
-                </a:solidFill>
-              </a:rPr>
-              <a:t>SOLUTION #1: USA will be replaced! It turns out that we can only have one value per key!</a:t>
-            </a:r>
-          </a:p>
-          <a:p>
+                <a:latin typeface="Consolas" panose="020B0609020204030204" pitchFamily="49" charset="0"/>
+              </a:rPr>
+              <a:t> = {</a:t>
+            </a:r>
+          </a:p>
+          <a:p>
+            <a:pPr marL="914400" lvl="2" indent="0">
+              <a:buNone/>
+            </a:pPr>
             <a:r>
               <a:rPr lang="en-CA" dirty="0" smtClean="0">
-                <a:solidFill>
-                  <a:srgbClr val="0070C0"/>
-                </a:solidFill>
-              </a:rPr>
-              <a:t>SOLUTION #2: </a:t>
+                <a:latin typeface="Consolas" panose="020B0609020204030204" pitchFamily="49" charset="0"/>
+              </a:rPr>
+              <a:t>1: ‘USA’,</a:t>
+            </a:r>
+          </a:p>
+          <a:p>
+            <a:pPr marL="914400" lvl="2" indent="0">
+              <a:buNone/>
+            </a:pPr>
+            <a:r>
+              <a:rPr lang="en-CA" dirty="0" smtClean="0">
+                <a:latin typeface="Consolas" panose="020B0609020204030204" pitchFamily="49" charset="0"/>
+              </a:rPr>
+              <a:t>20: ‘Egypt’,</a:t>
+            </a:r>
+          </a:p>
+          <a:p>
+            <a:pPr marL="914400" lvl="2" indent="0">
+              <a:buNone/>
+            </a:pPr>
+            <a:r>
+              <a:rPr lang="en-CA" dirty="0" smtClean="0">
+                <a:latin typeface="Consolas" panose="020B0609020204030204" pitchFamily="49" charset="0"/>
+              </a:rPr>
+              <a:t>357: ‘</a:t>
+            </a:r>
+            <a:r>
+              <a:rPr lang="en-CA" dirty="0" err="1" smtClean="0">
+                <a:latin typeface="Consolas" panose="020B0609020204030204" pitchFamily="49" charset="0"/>
+              </a:rPr>
+              <a:t>Cypurs</a:t>
+            </a:r>
+            <a:r>
+              <a:rPr lang="en-CA" dirty="0" smtClean="0">
+                <a:latin typeface="Consolas" panose="020B0609020204030204" pitchFamily="49" charset="0"/>
+              </a:rPr>
+              <a:t>’,</a:t>
+            </a:r>
+          </a:p>
+          <a:p>
+            <a:pPr marL="914400" lvl="2" indent="0">
+              <a:buNone/>
+            </a:pPr>
+            <a:r>
+              <a:rPr lang="en-CA" dirty="0" smtClean="0">
+                <a:latin typeface="Consolas" panose="020B0609020204030204" pitchFamily="49" charset="0"/>
+              </a:rPr>
+              <a:t>66: ‘Thailand’</a:t>
             </a:r>
           </a:p>
           <a:p>
@@ -7514,27 +8157,12 @@
               <a:buNone/>
             </a:pPr>
             <a:r>
-              <a:rPr lang="en-CA" dirty="0" err="1" smtClean="0">
-                <a:solidFill>
-                  <a:srgbClr val="0070C0"/>
-                </a:solidFill>
-                <a:latin typeface="Consolas" panose="020B0609020204030204" pitchFamily="49" charset="0"/>
-              </a:rPr>
-              <a:t>country_code</a:t>
-            </a:r>
-            <a:r>
-              <a:rPr lang="en-CA" dirty="0" smtClean="0">
-                <a:solidFill>
-                  <a:srgbClr val="0070C0"/>
-                </a:solidFill>
-                <a:latin typeface="Consolas" panose="020B0609020204030204" pitchFamily="49" charset="0"/>
-              </a:rPr>
-              <a:t>[217] = “Bob’s Lands”</a:t>
-            </a:r>
-            <a:endParaRPr lang="en-CA" dirty="0">
-              <a:solidFill>
-                <a:srgbClr val="0070C0"/>
-              </a:solidFill>
+              <a:rPr lang="en-CA" dirty="0">
+                <a:latin typeface="Consolas" panose="020B0609020204030204" pitchFamily="49" charset="0"/>
+              </a:rPr>
+              <a:t>}</a:t>
+            </a:r>
+            <a:endParaRPr lang="en-CA" dirty="0" smtClean="0">
               <a:latin typeface="Consolas" panose="020B0609020204030204" pitchFamily="49" charset="0"/>
             </a:endParaRPr>
           </a:p>
@@ -7543,7 +8171,7 @@
     </p:spTree>
     <p:extLst>
       <p:ext uri="{BB962C8B-B14F-4D97-AF65-F5344CB8AC3E}">
-        <p14:creationId xmlns:p14="http://schemas.microsoft.com/office/powerpoint/2010/main" val="1847684877"/>
+        <p14:creationId xmlns:p14="http://schemas.microsoft.com/office/powerpoint/2010/main" val="4055584401"/>
       </p:ext>
     </p:extLst>
   </p:cSld>
@@ -7612,234 +8240,46 @@
           <a:lstStyle/>
           <a:p>
             <a:r>
-              <a:rPr lang="en-CA" dirty="0" smtClean="0"/>
-              <a:t>Example 2: Name Approval List</a:t>
-            </a:r>
-          </a:p>
-          <a:p>
-            <a:pPr marL="457200" lvl="1" indent="0">
-              <a:buNone/>
-            </a:pPr>
-            <a:r>
-              <a:rPr lang="en-CA" sz="1800" dirty="0" smtClean="0">
-                <a:latin typeface="Consolas" panose="020B0609020204030204" pitchFamily="49" charset="0"/>
-              </a:rPr>
-              <a:t># Basically, blacklist of horrible names and a </a:t>
-            </a:r>
-          </a:p>
-          <a:p>
-            <a:pPr marL="457200" lvl="1" indent="0">
-              <a:buNone/>
-            </a:pPr>
-            <a:r>
-              <a:rPr lang="en-CA" sz="1800" dirty="0" smtClean="0">
-                <a:latin typeface="Consolas" panose="020B0609020204030204" pitchFamily="49" charset="0"/>
-              </a:rPr>
-              <a:t># whitelist of decent names. </a:t>
-            </a:r>
-          </a:p>
-          <a:p>
-            <a:pPr marL="457200" lvl="1" indent="0">
-              <a:buNone/>
-            </a:pPr>
-            <a:r>
-              <a:rPr lang="en-CA" sz="1800" dirty="0" err="1" smtClean="0">
-                <a:latin typeface="Consolas" panose="020B0609020204030204" pitchFamily="49" charset="0"/>
-              </a:rPr>
-              <a:t>names_approved</a:t>
-            </a:r>
-            <a:r>
-              <a:rPr lang="en-CA" sz="1800" dirty="0" smtClean="0">
-                <a:latin typeface="Consolas" panose="020B0609020204030204" pitchFamily="49" charset="0"/>
-              </a:rPr>
-              <a:t> = {</a:t>
-            </a:r>
-          </a:p>
-          <a:p>
-            <a:pPr marL="914400" lvl="2" indent="0">
-              <a:buNone/>
-            </a:pPr>
-            <a:r>
-              <a:rPr lang="en-CA" sz="1800" dirty="0" smtClean="0">
-                <a:latin typeface="Consolas" panose="020B0609020204030204" pitchFamily="49" charset="0"/>
-              </a:rPr>
-              <a:t>‘</a:t>
-            </a:r>
-            <a:r>
-              <a:rPr lang="en-CA" sz="1800" dirty="0" err="1" smtClean="0">
-                <a:latin typeface="Consolas" panose="020B0609020204030204" pitchFamily="49" charset="0"/>
-              </a:rPr>
-              <a:t>alex</a:t>
-            </a:r>
-            <a:r>
-              <a:rPr lang="en-CA" sz="1800" dirty="0" smtClean="0">
-                <a:latin typeface="Consolas" panose="020B0609020204030204" pitchFamily="49" charset="0"/>
-              </a:rPr>
-              <a:t>’: True,</a:t>
-            </a:r>
-          </a:p>
-          <a:p>
-            <a:pPr marL="914400" lvl="2" indent="0">
-              <a:buNone/>
-            </a:pPr>
-            <a:r>
-              <a:rPr lang="en-CA" sz="1800" dirty="0" smtClean="0">
-                <a:latin typeface="Consolas" panose="020B0609020204030204" pitchFamily="49" charset="0"/>
-              </a:rPr>
-              <a:t>‘</a:t>
-            </a:r>
-            <a:r>
-              <a:rPr lang="en-CA" sz="1800" dirty="0" err="1" smtClean="0">
-                <a:latin typeface="Consolas" panose="020B0609020204030204" pitchFamily="49" charset="0"/>
-              </a:rPr>
-              <a:t>alexosaurus</a:t>
-            </a:r>
-            <a:r>
-              <a:rPr lang="en-CA" sz="1800" dirty="0" smtClean="0">
-                <a:latin typeface="Consolas" panose="020B0609020204030204" pitchFamily="49" charset="0"/>
-              </a:rPr>
-              <a:t> rex’: False,</a:t>
-            </a:r>
-          </a:p>
-          <a:p>
-            <a:pPr marL="914400" lvl="2" indent="0">
-              <a:buNone/>
-            </a:pPr>
-            <a:r>
-              <a:rPr lang="en-CA" sz="1800" dirty="0" smtClean="0">
-                <a:latin typeface="Consolas" panose="020B0609020204030204" pitchFamily="49" charset="0"/>
-              </a:rPr>
-              <a:t>‘</a:t>
-            </a:r>
-            <a:r>
-              <a:rPr lang="en-CA" sz="1800" dirty="0" err="1" smtClean="0">
-                <a:latin typeface="Consolas" panose="020B0609020204030204" pitchFamily="49" charset="0"/>
-              </a:rPr>
-              <a:t>antman</a:t>
-            </a:r>
-            <a:r>
-              <a:rPr lang="en-CA" sz="1800" dirty="0" smtClean="0">
-                <a:latin typeface="Consolas" panose="020B0609020204030204" pitchFamily="49" charset="0"/>
-              </a:rPr>
-              <a:t>’: False,</a:t>
-            </a:r>
-          </a:p>
-          <a:p>
-            <a:pPr marL="914400" lvl="2" indent="0">
-              <a:buNone/>
-            </a:pPr>
-            <a:r>
-              <a:rPr lang="en-CA" sz="1800" dirty="0" smtClean="0">
-                <a:latin typeface="Consolas" panose="020B0609020204030204" pitchFamily="49" charset="0"/>
-              </a:rPr>
-              <a:t>‘bob’: True,</a:t>
-            </a:r>
-          </a:p>
-          <a:p>
-            <a:pPr marL="914400" lvl="2" indent="0">
-              <a:buNone/>
-            </a:pPr>
-            <a:r>
-              <a:rPr lang="en-CA" sz="1800" dirty="0" smtClean="0">
-                <a:latin typeface="Consolas" panose="020B0609020204030204" pitchFamily="49" charset="0"/>
-              </a:rPr>
-              <a:t>‘</a:t>
-            </a:r>
-            <a:r>
-              <a:rPr lang="en-CA" sz="1800" dirty="0" err="1" smtClean="0">
-                <a:latin typeface="Consolas" panose="020B0609020204030204" pitchFamily="49" charset="0"/>
-              </a:rPr>
-              <a:t>beatrice</a:t>
-            </a:r>
-            <a:r>
-              <a:rPr lang="en-CA" sz="1800" dirty="0" smtClean="0">
-                <a:latin typeface="Consolas" panose="020B0609020204030204" pitchFamily="49" charset="0"/>
-              </a:rPr>
-              <a:t>’: True,</a:t>
-            </a:r>
-          </a:p>
-          <a:p>
-            <a:pPr marL="914400" lvl="2" indent="0">
-              <a:buNone/>
-            </a:pPr>
-            <a:r>
-              <a:rPr lang="en-CA" sz="1800" dirty="0" smtClean="0">
-                <a:latin typeface="Consolas" panose="020B0609020204030204" pitchFamily="49" charset="0"/>
-              </a:rPr>
-              <a:t>‘bleach’: False,</a:t>
-            </a:r>
-          </a:p>
-          <a:p>
-            <a:pPr marL="914400" lvl="2" indent="0">
-              <a:buNone/>
-            </a:pPr>
-            <a:r>
-              <a:rPr lang="en-CA" sz="1800" dirty="0" smtClean="0">
-                <a:latin typeface="Consolas" panose="020B0609020204030204" pitchFamily="49" charset="0"/>
-              </a:rPr>
-              <a:t>‘</a:t>
-            </a:r>
-            <a:r>
-              <a:rPr lang="en-CA" sz="1800" dirty="0" err="1" smtClean="0">
-                <a:latin typeface="Consolas" panose="020B0609020204030204" pitchFamily="49" charset="0"/>
-              </a:rPr>
-              <a:t>catherine</a:t>
-            </a:r>
-            <a:r>
-              <a:rPr lang="en-CA" sz="1800" dirty="0" smtClean="0">
-                <a:latin typeface="Consolas" panose="020B0609020204030204" pitchFamily="49" charset="0"/>
-              </a:rPr>
-              <a:t>‘: True,</a:t>
-            </a:r>
-          </a:p>
-          <a:p>
-            <a:pPr marL="914400" lvl="2" indent="0">
-              <a:buNone/>
-            </a:pPr>
-            <a:r>
-              <a:rPr lang="en-CA" sz="1800" dirty="0" smtClean="0">
-                <a:latin typeface="Consolas" panose="020B0609020204030204" pitchFamily="49" charset="0"/>
-              </a:rPr>
-              <a:t>‘cam’: True,</a:t>
-            </a:r>
-          </a:p>
-          <a:p>
-            <a:pPr marL="914400" lvl="2" indent="0">
-              <a:buNone/>
-            </a:pPr>
-            <a:r>
-              <a:rPr lang="en-CA" sz="1800" dirty="0" smtClean="0">
-                <a:latin typeface="Consolas" panose="020B0609020204030204" pitchFamily="49" charset="0"/>
-              </a:rPr>
-              <a:t>‘cat litter box’: False</a:t>
-            </a:r>
-          </a:p>
-          <a:p>
-            <a:pPr marL="457200" lvl="1" indent="0">
-              <a:buNone/>
-            </a:pPr>
-            <a:r>
-              <a:rPr lang="en-CA" sz="1800" dirty="0">
-                <a:latin typeface="Consolas" panose="020B0609020204030204" pitchFamily="49" charset="0"/>
-              </a:rPr>
-              <a:t>}</a:t>
-            </a:r>
-            <a:endParaRPr lang="en-CA" sz="1800" dirty="0" smtClean="0">
-              <a:latin typeface="Consolas" panose="020B0609020204030204" pitchFamily="49" charset="0"/>
-            </a:endParaRPr>
-          </a:p>
-          <a:p>
-            <a:endParaRPr lang="en-CA" dirty="0" smtClean="0"/>
-          </a:p>
-          <a:p>
-            <a:endParaRPr lang="en-CA" dirty="0"/>
+              <a:rPr lang="en-CA" dirty="0" smtClean="0">
+                <a:solidFill>
+                  <a:srgbClr val="0070C0"/>
+                </a:solidFill>
+              </a:rPr>
+              <a:t>EXERCISE #1: Canada has the same number code with USA, so we might want to add that. So if </a:t>
+            </a:r>
+            <a:r>
+              <a:rPr lang="en-CA" dirty="0" err="1" smtClean="0">
+                <a:solidFill>
+                  <a:srgbClr val="0070C0"/>
+                </a:solidFill>
+              </a:rPr>
+              <a:t>country_code</a:t>
+            </a:r>
+            <a:r>
+              <a:rPr lang="en-CA" dirty="0" smtClean="0">
+                <a:solidFill>
+                  <a:srgbClr val="0070C0"/>
+                </a:solidFill>
+              </a:rPr>
+              <a:t>[1] = ‘Canada’ is entered, what happens?</a:t>
+            </a:r>
+          </a:p>
+          <a:p>
+            <a:r>
+              <a:rPr lang="en-CA" dirty="0" smtClean="0">
+                <a:solidFill>
+                  <a:srgbClr val="0070C0"/>
+                </a:solidFill>
+              </a:rPr>
+              <a:t>EXERCISE #2: A new nation is born. Its number code is 217. Its name is ‘Bob’s Lands’. How to add it into the list?</a:t>
+            </a:r>
           </a:p>
         </p:txBody>
       </p:sp>
     </p:spTree>
     <p:extLst>
       <p:ext uri="{BB962C8B-B14F-4D97-AF65-F5344CB8AC3E}">
-        <p14:creationId xmlns:p14="http://schemas.microsoft.com/office/powerpoint/2010/main" val="48831913"/>
+        <p14:creationId xmlns:p14="http://schemas.microsoft.com/office/powerpoint/2010/main" val="2307172204"/>
       </p:ext>
     </p:extLst>
   </p:cSld>

--- a/teaching/f15_cpsc217/Week_10_1.pptx
+++ b/teaching/f15_cpsc217/Week_10_1.pptx
@@ -5116,7 +5116,7 @@
                 </a:solidFill>
                 <a:latin typeface="Consolas" panose="020B0609020204030204" pitchFamily="49" charset="0"/>
               </a:rPr>
-              <a:t>canada_airport_code</a:t>
+              <a:t>names_approved</a:t>
             </a:r>
             <a:r>
               <a:rPr lang="en-CA" dirty="0" smtClean="0">
@@ -5125,15 +5125,24 @@
                 </a:solidFill>
                 <a:latin typeface="Consolas" panose="020B0609020204030204" pitchFamily="49" charset="0"/>
               </a:rPr>
-              <a:t>[‘cam’]</a:t>
-            </a:r>
-          </a:p>
-          <a:p>
+              <a:t>[‘</a:t>
+            </a:r>
             <a:r>
               <a:rPr lang="en-CA" dirty="0" smtClean="0">
                 <a:solidFill>
                   <a:srgbClr val="006666"/>
                 </a:solidFill>
+                <a:latin typeface="Consolas" panose="020B0609020204030204" pitchFamily="49" charset="0"/>
+              </a:rPr>
+              <a:t>cam’]</a:t>
+            </a:r>
+          </a:p>
+          <a:p>
+            <a:r>
+              <a:rPr lang="en-CA" dirty="0" smtClean="0">
+                <a:solidFill>
+                  <a:srgbClr val="006666"/>
+                </a:solidFill>
               </a:rPr>
               <a:t>SOLUTION #5:</a:t>
             </a:r>
@@ -5184,13 +5193,13 @@
               <a:t>print(</a:t>
             </a:r>
             <a:r>
-              <a:rPr lang="en-CA" dirty="0" err="1" smtClean="0">
-                <a:solidFill>
-                  <a:srgbClr val="006666"/>
-                </a:solidFill>
-                <a:latin typeface="Consolas" panose="020B0609020204030204" pitchFamily="49" charset="0"/>
-              </a:rPr>
-              <a:t>canada_airport_code</a:t>
+              <a:rPr lang="en-CA" smtClean="0">
+                <a:solidFill>
+                  <a:srgbClr val="006666"/>
+                </a:solidFill>
+                <a:latin typeface="Consolas" panose="020B0609020204030204" pitchFamily="49" charset="0"/>
+              </a:rPr>
+              <a:t>names_approved[k</a:t>
             </a:r>
             <a:r>
               <a:rPr lang="en-CA" dirty="0" smtClean="0">
@@ -5199,7 +5208,7 @@
                 </a:solidFill>
                 <a:latin typeface="Consolas" panose="020B0609020204030204" pitchFamily="49" charset="0"/>
               </a:rPr>
-              <a:t>[k])</a:t>
+              <a:t>])</a:t>
             </a:r>
           </a:p>
           <a:p>
@@ -6902,7 +6911,6 @@
               <a:rPr lang="en-US" dirty="0" smtClean="0"/>
               <a:t>Dictionary</a:t>
             </a:r>
-            <a:endParaRPr lang="en-US" dirty="0" smtClean="0"/>
           </a:p>
         </p:txBody>
       </p:sp>
